--- a/01_ME/03_Motion in 1D/img/img.pptx
+++ b/01_ME/03_Motion in 1D/img/img.pptx
@@ -276,7 +276,7 @@
           <a:p>
             <a:fld id="{0D347031-C3BF-4810-B069-59C71B694E9B}" type="datetimeFigureOut">
               <a:rPr lang="en-IN" smtClean="0"/>
-              <a:t>23-01-2025</a:t>
+              <a:t>01-02-2025</a:t>
             </a:fld>
             <a:endParaRPr lang="en-IN"/>
           </a:p>
@@ -476,7 +476,7 @@
           <a:p>
             <a:fld id="{0D347031-C3BF-4810-B069-59C71B694E9B}" type="datetimeFigureOut">
               <a:rPr lang="en-IN" smtClean="0"/>
-              <a:t>23-01-2025</a:t>
+              <a:t>01-02-2025</a:t>
             </a:fld>
             <a:endParaRPr lang="en-IN"/>
           </a:p>
@@ -686,7 +686,7 @@
           <a:p>
             <a:fld id="{0D347031-C3BF-4810-B069-59C71B694E9B}" type="datetimeFigureOut">
               <a:rPr lang="en-IN" smtClean="0"/>
-              <a:t>23-01-2025</a:t>
+              <a:t>01-02-2025</a:t>
             </a:fld>
             <a:endParaRPr lang="en-IN"/>
           </a:p>
@@ -886,7 +886,7 @@
           <a:p>
             <a:fld id="{0D347031-C3BF-4810-B069-59C71B694E9B}" type="datetimeFigureOut">
               <a:rPr lang="en-IN" smtClean="0"/>
-              <a:t>23-01-2025</a:t>
+              <a:t>01-02-2025</a:t>
             </a:fld>
             <a:endParaRPr lang="en-IN"/>
           </a:p>
@@ -1162,7 +1162,7 @@
           <a:p>
             <a:fld id="{0D347031-C3BF-4810-B069-59C71B694E9B}" type="datetimeFigureOut">
               <a:rPr lang="en-IN" smtClean="0"/>
-              <a:t>23-01-2025</a:t>
+              <a:t>01-02-2025</a:t>
             </a:fld>
             <a:endParaRPr lang="en-IN"/>
           </a:p>
@@ -1430,7 +1430,7 @@
           <a:p>
             <a:fld id="{0D347031-C3BF-4810-B069-59C71B694E9B}" type="datetimeFigureOut">
               <a:rPr lang="en-IN" smtClean="0"/>
-              <a:t>23-01-2025</a:t>
+              <a:t>01-02-2025</a:t>
             </a:fld>
             <a:endParaRPr lang="en-IN"/>
           </a:p>
@@ -1845,7 +1845,7 @@
           <a:p>
             <a:fld id="{0D347031-C3BF-4810-B069-59C71B694E9B}" type="datetimeFigureOut">
               <a:rPr lang="en-IN" smtClean="0"/>
-              <a:t>23-01-2025</a:t>
+              <a:t>01-02-2025</a:t>
             </a:fld>
             <a:endParaRPr lang="en-IN"/>
           </a:p>
@@ -1987,7 +1987,7 @@
           <a:p>
             <a:fld id="{0D347031-C3BF-4810-B069-59C71B694E9B}" type="datetimeFigureOut">
               <a:rPr lang="en-IN" smtClean="0"/>
-              <a:t>23-01-2025</a:t>
+              <a:t>01-02-2025</a:t>
             </a:fld>
             <a:endParaRPr lang="en-IN"/>
           </a:p>
@@ -2100,7 +2100,7 @@
           <a:p>
             <a:fld id="{0D347031-C3BF-4810-B069-59C71B694E9B}" type="datetimeFigureOut">
               <a:rPr lang="en-IN" smtClean="0"/>
-              <a:t>23-01-2025</a:t>
+              <a:t>01-02-2025</a:t>
             </a:fld>
             <a:endParaRPr lang="en-IN"/>
           </a:p>
@@ -2413,7 +2413,7 @@
           <a:p>
             <a:fld id="{0D347031-C3BF-4810-B069-59C71B694E9B}" type="datetimeFigureOut">
               <a:rPr lang="en-IN" smtClean="0"/>
-              <a:t>23-01-2025</a:t>
+              <a:t>01-02-2025</a:t>
             </a:fld>
             <a:endParaRPr lang="en-IN"/>
           </a:p>
@@ -2702,7 +2702,7 @@
           <a:p>
             <a:fld id="{0D347031-C3BF-4810-B069-59C71B694E9B}" type="datetimeFigureOut">
               <a:rPr lang="en-IN" smtClean="0"/>
-              <a:t>23-01-2025</a:t>
+              <a:t>01-02-2025</a:t>
             </a:fld>
             <a:endParaRPr lang="en-IN"/>
           </a:p>
@@ -2945,7 +2945,7 @@
           <a:p>
             <a:fld id="{0D347031-C3BF-4810-B069-59C71B694E9B}" type="datetimeFigureOut">
               <a:rPr lang="en-IN" smtClean="0"/>
-              <a:t>23-01-2025</a:t>
+              <a:t>01-02-2025</a:t>
             </a:fld>
             <a:endParaRPr lang="en-IN"/>
           </a:p>
@@ -12039,13 +12039,13 @@
   <p:clrMapOvr>
     <a:masterClrMapping/>
   </p:clrMapOvr>
-  <mc:AlternateContent xmlns:mc="http://schemas.openxmlformats.org/markup-compatibility/2006">
-    <mc:Choice xmlns:p159="http://schemas.microsoft.com/office/powerpoint/2015/09/main" Requires="p159">
+  <mc:AlternateContent xmlns:mc="http://schemas.openxmlformats.org/markup-compatibility/2006" xmlns:p159="http://schemas.microsoft.com/office/powerpoint/2015/09/main">
+    <mc:Choice Requires="p159">
       <p:transition xmlns:p14="http://schemas.microsoft.com/office/powerpoint/2010/main" spd="slow" p14:dur="2000">
         <p159:morph option="byObject"/>
       </p:transition>
     </mc:Choice>
-    <mc:Fallback>
+    <mc:Fallback xmlns="">
       <p:transition spd="slow">
         <p:fade/>
       </p:transition>
@@ -13655,13 +13655,13 @@
   <p:clrMapOvr>
     <a:masterClrMapping/>
   </p:clrMapOvr>
-  <mc:AlternateContent xmlns:mc="http://schemas.openxmlformats.org/markup-compatibility/2006">
-    <mc:Choice xmlns:p159="http://schemas.microsoft.com/office/powerpoint/2015/09/main" Requires="p159">
+  <mc:AlternateContent xmlns:mc="http://schemas.openxmlformats.org/markup-compatibility/2006" xmlns:p159="http://schemas.microsoft.com/office/powerpoint/2015/09/main">
+    <mc:Choice Requires="p159">
       <p:transition xmlns:p14="http://schemas.microsoft.com/office/powerpoint/2010/main" spd="slow" p14:dur="2000">
         <p159:morph option="byObject"/>
       </p:transition>
     </mc:Choice>
-    <mc:Fallback>
+    <mc:Fallback xmlns="">
       <p:transition spd="slow">
         <p:fade/>
       </p:transition>
@@ -15919,13 +15919,13 @@
   <p:clrMapOvr>
     <a:masterClrMapping/>
   </p:clrMapOvr>
-  <mc:AlternateContent xmlns:mc="http://schemas.openxmlformats.org/markup-compatibility/2006">
-    <mc:Choice xmlns:p159="http://schemas.microsoft.com/office/powerpoint/2015/09/main" Requires="p159">
+  <mc:AlternateContent xmlns:mc="http://schemas.openxmlformats.org/markup-compatibility/2006" xmlns:p159="http://schemas.microsoft.com/office/powerpoint/2015/09/main">
+    <mc:Choice Requires="p159">
       <p:transition xmlns:p14="http://schemas.microsoft.com/office/powerpoint/2010/main" spd="slow" p14:dur="2000">
         <p159:morph option="byObject"/>
       </p:transition>
     </mc:Choice>
-    <mc:Fallback>
+    <mc:Fallback xmlns="">
       <p:transition spd="slow">
         <p:fade/>
       </p:transition>
@@ -16944,13 +16944,13 @@
   <p:clrMapOvr>
     <a:masterClrMapping/>
   </p:clrMapOvr>
-  <mc:AlternateContent xmlns:mc="http://schemas.openxmlformats.org/markup-compatibility/2006">
-    <mc:Choice xmlns:p159="http://schemas.microsoft.com/office/powerpoint/2015/09/main" Requires="p159">
+  <mc:AlternateContent xmlns:mc="http://schemas.openxmlformats.org/markup-compatibility/2006" xmlns:p159="http://schemas.microsoft.com/office/powerpoint/2015/09/main">
+    <mc:Choice Requires="p159">
       <p:transition xmlns:p14="http://schemas.microsoft.com/office/powerpoint/2010/main" spd="slow" p14:dur="2000">
         <p159:morph option="byObject"/>
       </p:transition>
     </mc:Choice>
-    <mc:Fallback>
+    <mc:Fallback xmlns="">
       <p:transition spd="slow">
         <p:fade/>
       </p:transition>
@@ -16978,10 +16978,422 @@
       </p:grpSpPr>
       <p:sp>
         <p:nvSpPr>
-          <p:cNvPr id="4" name="TextBox 3">
-            <a:extLst>
-              <a:ext uri="{FF2B5EF4-FFF2-40B4-BE49-F238E27FC236}">
-                <a16:creationId xmlns:a16="http://schemas.microsoft.com/office/drawing/2014/main" id="{013C6AF8-D5D0-7975-4771-3BE16B371A8E}"/>
+          <p:cNvPr id="2" name="Oval 1">
+            <a:extLst>
+              <a:ext uri="{FF2B5EF4-FFF2-40B4-BE49-F238E27FC236}">
+                <a16:creationId xmlns:a16="http://schemas.microsoft.com/office/drawing/2014/main" id="{12B113FD-58F4-68D7-28AB-32A58E2BFF92}"/>
+              </a:ext>
+            </a:extLst>
+          </p:cNvPr>
+          <p:cNvSpPr/>
+          <p:nvPr/>
+        </p:nvSpPr>
+        <p:spPr>
+          <a:xfrm>
+            <a:off x="167860" y="931576"/>
+            <a:ext cx="4754880" cy="4754880"/>
+          </a:xfrm>
+          <a:prstGeom prst="ellipse">
+            <a:avLst/>
+          </a:prstGeom>
+          <a:pattFill prst="openDmnd">
+            <a:fgClr>
+              <a:schemeClr val="bg1">
+                <a:lumMod val="65000"/>
+              </a:schemeClr>
+            </a:fgClr>
+            <a:bgClr>
+              <a:schemeClr val="bg1"/>
+            </a:bgClr>
+          </a:pattFill>
+        </p:spPr>
+        <p:style>
+          <a:lnRef idx="2">
+            <a:schemeClr val="accent1">
+              <a:shade val="15000"/>
+            </a:schemeClr>
+          </a:lnRef>
+          <a:fillRef idx="1">
+            <a:schemeClr val="accent1"/>
+          </a:fillRef>
+          <a:effectRef idx="0">
+            <a:schemeClr val="accent1"/>
+          </a:effectRef>
+          <a:fontRef idx="minor">
+            <a:schemeClr val="lt1"/>
+          </a:fontRef>
+        </p:style>
+        <p:txBody>
+          <a:bodyPr rtlCol="0" anchor="ctr"/>
+          <a:lstStyle/>
+          <a:p>
+            <a:pPr algn="ctr"/>
+            <a:endParaRPr lang="en-IN" dirty="0"/>
+          </a:p>
+        </p:txBody>
+      </p:sp>
+      <p:cxnSp>
+        <p:nvCxnSpPr>
+          <p:cNvPr id="3" name="Straight Connector 2">
+            <a:extLst>
+              <a:ext uri="{FF2B5EF4-FFF2-40B4-BE49-F238E27FC236}">
+                <a16:creationId xmlns:a16="http://schemas.microsoft.com/office/drawing/2014/main" id="{3640A962-CE5B-2DE7-D095-F38F62EF4709}"/>
+              </a:ext>
+            </a:extLst>
+          </p:cNvPr>
+          <p:cNvCxnSpPr>
+            <a:cxnSpLocks/>
+          </p:cNvCxnSpPr>
+          <p:nvPr/>
+        </p:nvCxnSpPr>
+        <p:spPr>
+          <a:xfrm flipV="1">
+            <a:off x="2545300" y="737654"/>
+            <a:ext cx="0" cy="2891813"/>
+          </a:xfrm>
+          <a:prstGeom prst="line">
+            <a:avLst/>
+          </a:prstGeom>
+          <a:ln w="28575">
+            <a:solidFill>
+              <a:schemeClr val="bg1">
+                <a:lumMod val="50000"/>
+              </a:schemeClr>
+            </a:solidFill>
+            <a:tailEnd type="stealth" w="lg" len="lg"/>
+          </a:ln>
+        </p:spPr>
+        <p:style>
+          <a:lnRef idx="1">
+            <a:schemeClr val="accent1"/>
+          </a:lnRef>
+          <a:fillRef idx="0">
+            <a:schemeClr val="accent1"/>
+          </a:fillRef>
+          <a:effectRef idx="0">
+            <a:schemeClr val="accent1"/>
+          </a:effectRef>
+          <a:fontRef idx="minor">
+            <a:schemeClr val="tx1"/>
+          </a:fontRef>
+        </p:style>
+      </p:cxnSp>
+      <p:cxnSp>
+        <p:nvCxnSpPr>
+          <p:cNvPr id="7" name="Straight Connector 6">
+            <a:extLst>
+              <a:ext uri="{FF2B5EF4-FFF2-40B4-BE49-F238E27FC236}">
+                <a16:creationId xmlns:a16="http://schemas.microsoft.com/office/drawing/2014/main" id="{CB3DC4E1-A9F8-28D2-B5CF-035E91AFF96E}"/>
+              </a:ext>
+            </a:extLst>
+          </p:cNvPr>
+          <p:cNvCxnSpPr>
+            <a:cxnSpLocks/>
+          </p:cNvCxnSpPr>
+          <p:nvPr/>
+        </p:nvCxnSpPr>
+        <p:spPr>
+          <a:xfrm>
+            <a:off x="2155233" y="3309016"/>
+            <a:ext cx="3064768" cy="0"/>
+          </a:xfrm>
+          <a:prstGeom prst="line">
+            <a:avLst/>
+          </a:prstGeom>
+          <a:ln w="28575">
+            <a:solidFill>
+              <a:schemeClr val="bg1">
+                <a:lumMod val="50000"/>
+              </a:schemeClr>
+            </a:solidFill>
+            <a:tailEnd type="stealth" w="lg" len="lg"/>
+          </a:ln>
+        </p:spPr>
+        <p:style>
+          <a:lnRef idx="1">
+            <a:schemeClr val="accent1"/>
+          </a:lnRef>
+          <a:fillRef idx="0">
+            <a:schemeClr val="accent1"/>
+          </a:fillRef>
+          <a:effectRef idx="0">
+            <a:schemeClr val="accent1"/>
+          </a:effectRef>
+          <a:fontRef idx="minor">
+            <a:schemeClr val="tx1"/>
+          </a:fontRef>
+        </p:style>
+      </p:cxnSp>
+      <p:sp>
+        <p:nvSpPr>
+          <p:cNvPr id="11" name="Freeform: Shape 10">
+            <a:extLst>
+              <a:ext uri="{FF2B5EF4-FFF2-40B4-BE49-F238E27FC236}">
+                <a16:creationId xmlns:a16="http://schemas.microsoft.com/office/drawing/2014/main" id="{90E82F66-6A1D-A509-0CAC-CC629ED7A32F}"/>
+              </a:ext>
+            </a:extLst>
+          </p:cNvPr>
+          <p:cNvSpPr/>
+          <p:nvPr/>
+        </p:nvSpPr>
+        <p:spPr>
+          <a:xfrm>
+            <a:off x="2562654" y="1652781"/>
+            <a:ext cx="1719263" cy="1593465"/>
+          </a:xfrm>
+          <a:custGeom>
+            <a:avLst/>
+            <a:gdLst>
+              <a:gd name="connsiteX0" fmla="*/ 1766887 w 1766887"/>
+              <a:gd name="connsiteY0" fmla="*/ 0 h 1590675"/>
+              <a:gd name="connsiteX1" fmla="*/ 0 w 1766887"/>
+              <a:gd name="connsiteY1" fmla="*/ 1590675 h 1590675"/>
+              <a:gd name="connsiteX0" fmla="*/ 1766887 w 1766887"/>
+              <a:gd name="connsiteY0" fmla="*/ 0 h 1593016"/>
+              <a:gd name="connsiteX1" fmla="*/ 0 w 1766887"/>
+              <a:gd name="connsiteY1" fmla="*/ 1590675 h 1593016"/>
+              <a:gd name="connsiteX0" fmla="*/ 1766887 w 1766887"/>
+              <a:gd name="connsiteY0" fmla="*/ 0 h 1593465"/>
+              <a:gd name="connsiteX1" fmla="*/ 0 w 1766887"/>
+              <a:gd name="connsiteY1" fmla="*/ 1590675 h 1593465"/>
+            </a:gdLst>
+            <a:ahLst/>
+            <a:cxnLst>
+              <a:cxn ang="0">
+                <a:pos x="connsiteX0" y="connsiteY0"/>
+              </a:cxn>
+              <a:cxn ang="0">
+                <a:pos x="connsiteX1" y="connsiteY1"/>
+              </a:cxn>
+            </a:cxnLst>
+            <a:rect l="l" t="t" r="r" b="b"/>
+            <a:pathLst>
+              <a:path w="1766887" h="1593465">
+                <a:moveTo>
+                  <a:pt x="1766887" y="0"/>
+                </a:moveTo>
+                <a:cubicBezTo>
+                  <a:pt x="1506537" y="720725"/>
+                  <a:pt x="765175" y="1651000"/>
+                  <a:pt x="0" y="1590675"/>
+                </a:cubicBezTo>
+              </a:path>
+            </a:pathLst>
+          </a:custGeom>
+          <a:noFill/>
+          <a:ln w="50800">
+            <a:solidFill>
+              <a:schemeClr val="bg1"/>
+            </a:solidFill>
+          </a:ln>
+        </p:spPr>
+        <p:style>
+          <a:lnRef idx="2">
+            <a:schemeClr val="accent1">
+              <a:shade val="15000"/>
+            </a:schemeClr>
+          </a:lnRef>
+          <a:fillRef idx="1">
+            <a:schemeClr val="accent1"/>
+          </a:fillRef>
+          <a:effectRef idx="0">
+            <a:schemeClr val="accent1"/>
+          </a:effectRef>
+          <a:fontRef idx="minor">
+            <a:schemeClr val="lt1"/>
+          </a:fontRef>
+        </p:style>
+        <p:txBody>
+          <a:bodyPr rtlCol="0" anchor="ctr"/>
+          <a:lstStyle/>
+          <a:p>
+            <a:pPr algn="ctr"/>
+            <a:endParaRPr lang="en-IN"/>
+          </a:p>
+        </p:txBody>
+      </p:sp>
+      <p:sp>
+        <p:nvSpPr>
+          <p:cNvPr id="9" name="Freeform: Shape 8">
+            <a:extLst>
+              <a:ext uri="{FF2B5EF4-FFF2-40B4-BE49-F238E27FC236}">
+                <a16:creationId xmlns:a16="http://schemas.microsoft.com/office/drawing/2014/main" id="{852CCDA8-9C50-63F5-1FB3-780819CC3E33}"/>
+              </a:ext>
+            </a:extLst>
+          </p:cNvPr>
+          <p:cNvSpPr/>
+          <p:nvPr/>
+        </p:nvSpPr>
+        <p:spPr>
+          <a:xfrm>
+            <a:off x="2540996" y="1695451"/>
+            <a:ext cx="1766887" cy="1593465"/>
+          </a:xfrm>
+          <a:custGeom>
+            <a:avLst/>
+            <a:gdLst>
+              <a:gd name="connsiteX0" fmla="*/ 1766887 w 1766887"/>
+              <a:gd name="connsiteY0" fmla="*/ 0 h 1590675"/>
+              <a:gd name="connsiteX1" fmla="*/ 0 w 1766887"/>
+              <a:gd name="connsiteY1" fmla="*/ 1590675 h 1590675"/>
+              <a:gd name="connsiteX0" fmla="*/ 1766887 w 1766887"/>
+              <a:gd name="connsiteY0" fmla="*/ 0 h 1593016"/>
+              <a:gd name="connsiteX1" fmla="*/ 0 w 1766887"/>
+              <a:gd name="connsiteY1" fmla="*/ 1590675 h 1593016"/>
+              <a:gd name="connsiteX0" fmla="*/ 1766887 w 1766887"/>
+              <a:gd name="connsiteY0" fmla="*/ 0 h 1593465"/>
+              <a:gd name="connsiteX1" fmla="*/ 0 w 1766887"/>
+              <a:gd name="connsiteY1" fmla="*/ 1590675 h 1593465"/>
+            </a:gdLst>
+            <a:ahLst/>
+            <a:cxnLst>
+              <a:cxn ang="0">
+                <a:pos x="connsiteX0" y="connsiteY0"/>
+              </a:cxn>
+              <a:cxn ang="0">
+                <a:pos x="connsiteX1" y="connsiteY1"/>
+              </a:cxn>
+            </a:cxnLst>
+            <a:rect l="l" t="t" r="r" b="b"/>
+            <a:pathLst>
+              <a:path w="1766887" h="1593465">
+                <a:moveTo>
+                  <a:pt x="1766887" y="0"/>
+                </a:moveTo>
+                <a:cubicBezTo>
+                  <a:pt x="1506537" y="720725"/>
+                  <a:pt x="765175" y="1651000"/>
+                  <a:pt x="0" y="1590675"/>
+                </a:cubicBezTo>
+              </a:path>
+            </a:pathLst>
+          </a:custGeom>
+          <a:noFill/>
+          <a:ln w="19050">
+            <a:solidFill>
+              <a:schemeClr val="tx1"/>
+            </a:solidFill>
+          </a:ln>
+        </p:spPr>
+        <p:style>
+          <a:lnRef idx="2">
+            <a:schemeClr val="accent1">
+              <a:shade val="15000"/>
+            </a:schemeClr>
+          </a:lnRef>
+          <a:fillRef idx="1">
+            <a:schemeClr val="accent1"/>
+          </a:fillRef>
+          <a:effectRef idx="0">
+            <a:schemeClr val="accent1"/>
+          </a:effectRef>
+          <a:fontRef idx="minor">
+            <a:schemeClr val="lt1"/>
+          </a:fontRef>
+        </p:style>
+        <p:txBody>
+          <a:bodyPr rtlCol="0" anchor="ctr"/>
+          <a:lstStyle/>
+          <a:p>
+            <a:pPr algn="ctr"/>
+            <a:endParaRPr lang="en-IN"/>
+          </a:p>
+        </p:txBody>
+      </p:sp>
+      <p:sp>
+        <p:nvSpPr>
+          <p:cNvPr id="10" name="Freeform: Shape 9">
+            <a:extLst>
+              <a:ext uri="{FF2B5EF4-FFF2-40B4-BE49-F238E27FC236}">
+                <a16:creationId xmlns:a16="http://schemas.microsoft.com/office/drawing/2014/main" id="{63B025DB-8D3C-A2D7-7A34-0D2C92D69E08}"/>
+              </a:ext>
+            </a:extLst>
+          </p:cNvPr>
+          <p:cNvSpPr/>
+          <p:nvPr/>
+        </p:nvSpPr>
+        <p:spPr>
+          <a:xfrm>
+            <a:off x="2540995" y="1618590"/>
+            <a:ext cx="1719263" cy="1593465"/>
+          </a:xfrm>
+          <a:custGeom>
+            <a:avLst/>
+            <a:gdLst>
+              <a:gd name="connsiteX0" fmla="*/ 1766887 w 1766887"/>
+              <a:gd name="connsiteY0" fmla="*/ 0 h 1590675"/>
+              <a:gd name="connsiteX1" fmla="*/ 0 w 1766887"/>
+              <a:gd name="connsiteY1" fmla="*/ 1590675 h 1590675"/>
+              <a:gd name="connsiteX0" fmla="*/ 1766887 w 1766887"/>
+              <a:gd name="connsiteY0" fmla="*/ 0 h 1593016"/>
+              <a:gd name="connsiteX1" fmla="*/ 0 w 1766887"/>
+              <a:gd name="connsiteY1" fmla="*/ 1590675 h 1593016"/>
+              <a:gd name="connsiteX0" fmla="*/ 1766887 w 1766887"/>
+              <a:gd name="connsiteY0" fmla="*/ 0 h 1593465"/>
+              <a:gd name="connsiteX1" fmla="*/ 0 w 1766887"/>
+              <a:gd name="connsiteY1" fmla="*/ 1590675 h 1593465"/>
+            </a:gdLst>
+            <a:ahLst/>
+            <a:cxnLst>
+              <a:cxn ang="0">
+                <a:pos x="connsiteX0" y="connsiteY0"/>
+              </a:cxn>
+              <a:cxn ang="0">
+                <a:pos x="connsiteX1" y="connsiteY1"/>
+              </a:cxn>
+            </a:cxnLst>
+            <a:rect l="l" t="t" r="r" b="b"/>
+            <a:pathLst>
+              <a:path w="1766887" h="1593465">
+                <a:moveTo>
+                  <a:pt x="1766887" y="0"/>
+                </a:moveTo>
+                <a:cubicBezTo>
+                  <a:pt x="1506537" y="720725"/>
+                  <a:pt x="765175" y="1651000"/>
+                  <a:pt x="0" y="1590675"/>
+                </a:cubicBezTo>
+              </a:path>
+            </a:pathLst>
+          </a:custGeom>
+          <a:noFill/>
+          <a:ln w="19050">
+            <a:solidFill>
+              <a:schemeClr val="tx1"/>
+            </a:solidFill>
+          </a:ln>
+        </p:spPr>
+        <p:style>
+          <a:lnRef idx="2">
+            <a:schemeClr val="accent1">
+              <a:shade val="15000"/>
+            </a:schemeClr>
+          </a:lnRef>
+          <a:fillRef idx="1">
+            <a:schemeClr val="accent1"/>
+          </a:fillRef>
+          <a:effectRef idx="0">
+            <a:schemeClr val="accent1"/>
+          </a:effectRef>
+          <a:fontRef idx="minor">
+            <a:schemeClr val="lt1"/>
+          </a:fontRef>
+        </p:style>
+        <p:txBody>
+          <a:bodyPr rtlCol="0" anchor="ctr"/>
+          <a:lstStyle/>
+          <a:p>
+            <a:pPr algn="ctr"/>
+            <a:endParaRPr lang="en-IN"/>
+          </a:p>
+        </p:txBody>
+      </p:sp>
+      <p:sp>
+        <p:nvSpPr>
+          <p:cNvPr id="12" name="TextBox 11">
+            <a:extLst>
+              <a:ext uri="{FF2B5EF4-FFF2-40B4-BE49-F238E27FC236}">
+                <a16:creationId xmlns:a16="http://schemas.microsoft.com/office/drawing/2014/main" id="{5011FB11-6484-BBA4-7745-28A6172FA093}"/>
               </a:ext>
             </a:extLst>
           </p:cNvPr>
@@ -16990,8 +17402,114 @@
         </p:nvSpPr>
         <p:spPr>
           <a:xfrm>
-            <a:off x="7484260" y="2386298"/>
-            <a:ext cx="1759570" cy="276999"/>
+            <a:off x="5000708" y="3329117"/>
+            <a:ext cx="283560" cy="276999"/>
+          </a:xfrm>
+          <a:prstGeom prst="rect">
+            <a:avLst/>
+          </a:prstGeom>
+          <a:noFill/>
+        </p:spPr>
+        <p:txBody>
+          <a:bodyPr wrap="square" lIns="0" tIns="0" rIns="0" bIns="0" rtlCol="0">
+            <a:spAutoFit/>
+          </a:bodyPr>
+          <a:lstStyle/>
+          <a:p>
+            <a:pPr algn="ctr"/>
+            <a:r>
+              <a:rPr lang="en-US" i="1" dirty="0">
+                <a:solidFill>
+                  <a:schemeClr val="bg1">
+                    <a:lumMod val="50000"/>
+                  </a:schemeClr>
+                </a:solidFill>
+                <a:latin typeface="Times New Roman" panose="02020603050405020304" pitchFamily="18" charset="0"/>
+                <a:cs typeface="Times New Roman" panose="02020603050405020304" pitchFamily="18" charset="0"/>
+              </a:rPr>
+              <a:t>x</a:t>
+            </a:r>
+            <a:endParaRPr lang="en-IN" i="1" dirty="0">
+              <a:solidFill>
+                <a:schemeClr val="bg1">
+                  <a:lumMod val="50000"/>
+                </a:schemeClr>
+              </a:solidFill>
+              <a:latin typeface="Times New Roman" panose="02020603050405020304" pitchFamily="18" charset="0"/>
+              <a:cs typeface="Times New Roman" panose="02020603050405020304" pitchFamily="18" charset="0"/>
+            </a:endParaRPr>
+          </a:p>
+        </p:txBody>
+      </p:sp>
+      <p:sp>
+        <p:nvSpPr>
+          <p:cNvPr id="13" name="TextBox 12">
+            <a:extLst>
+              <a:ext uri="{FF2B5EF4-FFF2-40B4-BE49-F238E27FC236}">
+                <a16:creationId xmlns:a16="http://schemas.microsoft.com/office/drawing/2014/main" id="{14124CE8-3A6F-05D7-8266-C3A01DC8421E}"/>
+              </a:ext>
+            </a:extLst>
+          </p:cNvPr>
+          <p:cNvSpPr txBox="1"/>
+          <p:nvPr/>
+        </p:nvSpPr>
+        <p:spPr>
+          <a:xfrm>
+            <a:off x="2155233" y="654577"/>
+            <a:ext cx="283560" cy="276999"/>
+          </a:xfrm>
+          <a:prstGeom prst="rect">
+            <a:avLst/>
+          </a:prstGeom>
+          <a:noFill/>
+        </p:spPr>
+        <p:txBody>
+          <a:bodyPr wrap="square" lIns="0" tIns="0" rIns="0" bIns="0" rtlCol="0">
+            <a:spAutoFit/>
+          </a:bodyPr>
+          <a:lstStyle/>
+          <a:p>
+            <a:pPr algn="ctr"/>
+            <a:r>
+              <a:rPr lang="en-US" i="1" dirty="0">
+                <a:solidFill>
+                  <a:schemeClr val="bg1">
+                    <a:lumMod val="50000"/>
+                  </a:schemeClr>
+                </a:solidFill>
+                <a:latin typeface="Times New Roman" panose="02020603050405020304" pitchFamily="18" charset="0"/>
+                <a:cs typeface="Times New Roman" panose="02020603050405020304" pitchFamily="18" charset="0"/>
+              </a:rPr>
+              <a:t>y</a:t>
+            </a:r>
+            <a:endParaRPr lang="en-IN" i="1" dirty="0">
+              <a:solidFill>
+                <a:schemeClr val="bg1">
+                  <a:lumMod val="50000"/>
+                </a:schemeClr>
+              </a:solidFill>
+              <a:latin typeface="Times New Roman" panose="02020603050405020304" pitchFamily="18" charset="0"/>
+              <a:cs typeface="Times New Roman" panose="02020603050405020304" pitchFamily="18" charset="0"/>
+            </a:endParaRPr>
+          </a:p>
+        </p:txBody>
+      </p:sp>
+      <p:sp>
+        <p:nvSpPr>
+          <p:cNvPr id="15" name="TextBox 14">
+            <a:extLst>
+              <a:ext uri="{FF2B5EF4-FFF2-40B4-BE49-F238E27FC236}">
+                <a16:creationId xmlns:a16="http://schemas.microsoft.com/office/drawing/2014/main" id="{6B75B1C4-E3A6-C13F-1B45-FE8F750D55F4}"/>
+              </a:ext>
+            </a:extLst>
+          </p:cNvPr>
+          <p:cNvSpPr txBox="1"/>
+          <p:nvPr/>
+        </p:nvSpPr>
+        <p:spPr>
+          <a:xfrm>
+            <a:off x="2261739" y="3032017"/>
+            <a:ext cx="283560" cy="276999"/>
           </a:xfrm>
           <a:prstGeom prst="rect">
             <a:avLst/>
@@ -17010,7 +17528,7 @@
                 <a:latin typeface="Times New Roman" panose="02020603050405020304" pitchFamily="18" charset="0"/>
                 <a:cs typeface="Times New Roman" panose="02020603050405020304" pitchFamily="18" charset="0"/>
               </a:rPr>
-              <a:t>Acceleration</a:t>
+              <a:t>O</a:t>
             </a:r>
             <a:endParaRPr lang="en-IN" dirty="0">
               <a:latin typeface="Times New Roman" panose="02020603050405020304" pitchFamily="18" charset="0"/>
@@ -17021,10 +17539,10 @@
       </p:sp>
       <p:sp>
         <p:nvSpPr>
-          <p:cNvPr id="5" name="TextBox 4">
-            <a:extLst>
-              <a:ext uri="{FF2B5EF4-FFF2-40B4-BE49-F238E27FC236}">
-                <a16:creationId xmlns:a16="http://schemas.microsoft.com/office/drawing/2014/main" id="{280D543A-9D9E-A142-AF83-0E5B9B7807AD}"/>
+          <p:cNvPr id="16" name="TextBox 15">
+            <a:extLst>
+              <a:ext uri="{FF2B5EF4-FFF2-40B4-BE49-F238E27FC236}">
+                <a16:creationId xmlns:a16="http://schemas.microsoft.com/office/drawing/2014/main" id="{1D78BC99-60E4-1F77-F7DB-4AF7DCD34E11}"/>
               </a:ext>
             </a:extLst>
           </p:cNvPr>
@@ -17033,8 +17551,8 @@
         </p:nvSpPr>
         <p:spPr>
           <a:xfrm>
-            <a:off x="3650448" y="2343437"/>
-            <a:ext cx="1759570" cy="276999"/>
+            <a:off x="4307939" y="1397117"/>
+            <a:ext cx="283560" cy="276999"/>
           </a:xfrm>
           <a:prstGeom prst="rect">
             <a:avLst/>
@@ -17053,7 +17571,7 @@
                 <a:latin typeface="Times New Roman" panose="02020603050405020304" pitchFamily="18" charset="0"/>
                 <a:cs typeface="Times New Roman" panose="02020603050405020304" pitchFamily="18" charset="0"/>
               </a:rPr>
-              <a:t>Velocity</a:t>
+              <a:t>A</a:t>
             </a:r>
             <a:endParaRPr lang="en-IN" dirty="0">
               <a:latin typeface="Times New Roman" panose="02020603050405020304" pitchFamily="18" charset="0"/>
@@ -17064,10 +17582,426 @@
       </p:sp>
       <p:sp>
         <p:nvSpPr>
-          <p:cNvPr id="6" name="TextBox 5">
-            <a:extLst>
-              <a:ext uri="{FF2B5EF4-FFF2-40B4-BE49-F238E27FC236}">
-                <a16:creationId xmlns:a16="http://schemas.microsoft.com/office/drawing/2014/main" id="{77906A96-2389-F406-0598-814CEB38F7D3}"/>
+          <p:cNvPr id="17" name="Oval 16">
+            <a:extLst>
+              <a:ext uri="{FF2B5EF4-FFF2-40B4-BE49-F238E27FC236}">
+                <a16:creationId xmlns:a16="http://schemas.microsoft.com/office/drawing/2014/main" id="{B4D01995-E410-6514-D25B-060247BD0123}"/>
+              </a:ext>
+            </a:extLst>
+          </p:cNvPr>
+          <p:cNvSpPr/>
+          <p:nvPr/>
+        </p:nvSpPr>
+        <p:spPr>
+          <a:xfrm>
+            <a:off x="6070521" y="931576"/>
+            <a:ext cx="4754880" cy="4754880"/>
+          </a:xfrm>
+          <a:prstGeom prst="ellipse">
+            <a:avLst/>
+          </a:prstGeom>
+          <a:pattFill prst="openDmnd">
+            <a:fgClr>
+              <a:schemeClr val="bg1">
+                <a:lumMod val="65000"/>
+              </a:schemeClr>
+            </a:fgClr>
+            <a:bgClr>
+              <a:schemeClr val="bg1"/>
+            </a:bgClr>
+          </a:pattFill>
+        </p:spPr>
+        <p:style>
+          <a:lnRef idx="2">
+            <a:schemeClr val="accent1">
+              <a:shade val="15000"/>
+            </a:schemeClr>
+          </a:lnRef>
+          <a:fillRef idx="1">
+            <a:schemeClr val="accent1"/>
+          </a:fillRef>
+          <a:effectRef idx="0">
+            <a:schemeClr val="accent1"/>
+          </a:effectRef>
+          <a:fontRef idx="minor">
+            <a:schemeClr val="lt1"/>
+          </a:fontRef>
+        </p:style>
+        <p:txBody>
+          <a:bodyPr rtlCol="0" anchor="ctr"/>
+          <a:lstStyle/>
+          <a:p>
+            <a:pPr algn="ctr"/>
+            <a:endParaRPr lang="en-IN" dirty="0"/>
+          </a:p>
+        </p:txBody>
+      </p:sp>
+      <p:cxnSp>
+        <p:nvCxnSpPr>
+          <p:cNvPr id="18" name="Straight Connector 17">
+            <a:extLst>
+              <a:ext uri="{FF2B5EF4-FFF2-40B4-BE49-F238E27FC236}">
+                <a16:creationId xmlns:a16="http://schemas.microsoft.com/office/drawing/2014/main" id="{A5ADEF59-D456-9F30-1E45-211EBAC117DD}"/>
+              </a:ext>
+            </a:extLst>
+          </p:cNvPr>
+          <p:cNvCxnSpPr>
+            <a:cxnSpLocks/>
+          </p:cNvCxnSpPr>
+          <p:nvPr/>
+        </p:nvCxnSpPr>
+        <p:spPr>
+          <a:xfrm flipV="1">
+            <a:off x="8447961" y="737654"/>
+            <a:ext cx="0" cy="2891813"/>
+          </a:xfrm>
+          <a:prstGeom prst="line">
+            <a:avLst/>
+          </a:prstGeom>
+          <a:ln w="28575">
+            <a:solidFill>
+              <a:schemeClr val="bg1">
+                <a:lumMod val="50000"/>
+              </a:schemeClr>
+            </a:solidFill>
+            <a:tailEnd type="stealth" w="lg" len="lg"/>
+          </a:ln>
+        </p:spPr>
+        <p:style>
+          <a:lnRef idx="1">
+            <a:schemeClr val="accent1"/>
+          </a:lnRef>
+          <a:fillRef idx="0">
+            <a:schemeClr val="accent1"/>
+          </a:fillRef>
+          <a:effectRef idx="0">
+            <a:schemeClr val="accent1"/>
+          </a:effectRef>
+          <a:fontRef idx="minor">
+            <a:schemeClr val="tx1"/>
+          </a:fontRef>
+        </p:style>
+      </p:cxnSp>
+      <p:cxnSp>
+        <p:nvCxnSpPr>
+          <p:cNvPr id="19" name="Straight Connector 18">
+            <a:extLst>
+              <a:ext uri="{FF2B5EF4-FFF2-40B4-BE49-F238E27FC236}">
+                <a16:creationId xmlns:a16="http://schemas.microsoft.com/office/drawing/2014/main" id="{4821AE78-F9B0-F26A-6D72-6F9C7C2387CA}"/>
+              </a:ext>
+            </a:extLst>
+          </p:cNvPr>
+          <p:cNvCxnSpPr>
+            <a:cxnSpLocks/>
+          </p:cNvCxnSpPr>
+          <p:nvPr/>
+        </p:nvCxnSpPr>
+        <p:spPr>
+          <a:xfrm>
+            <a:off x="8057894" y="3309016"/>
+            <a:ext cx="3064768" cy="0"/>
+          </a:xfrm>
+          <a:prstGeom prst="line">
+            <a:avLst/>
+          </a:prstGeom>
+          <a:ln w="28575">
+            <a:solidFill>
+              <a:schemeClr val="bg1">
+                <a:lumMod val="50000"/>
+              </a:schemeClr>
+            </a:solidFill>
+            <a:tailEnd type="stealth" w="lg" len="lg"/>
+          </a:ln>
+        </p:spPr>
+        <p:style>
+          <a:lnRef idx="1">
+            <a:schemeClr val="accent1"/>
+          </a:lnRef>
+          <a:fillRef idx="0">
+            <a:schemeClr val="accent1"/>
+          </a:fillRef>
+          <a:effectRef idx="0">
+            <a:schemeClr val="accent1"/>
+          </a:effectRef>
+          <a:fontRef idx="minor">
+            <a:schemeClr val="tx1"/>
+          </a:fontRef>
+        </p:style>
+      </p:cxnSp>
+      <p:sp>
+        <p:nvSpPr>
+          <p:cNvPr id="20" name="Freeform: Shape 19">
+            <a:extLst>
+              <a:ext uri="{FF2B5EF4-FFF2-40B4-BE49-F238E27FC236}">
+                <a16:creationId xmlns:a16="http://schemas.microsoft.com/office/drawing/2014/main" id="{1DFBC8B7-4BDA-F1AE-2253-CEA9E15C8DDD}"/>
+              </a:ext>
+            </a:extLst>
+          </p:cNvPr>
+          <p:cNvSpPr/>
+          <p:nvPr/>
+        </p:nvSpPr>
+        <p:spPr>
+          <a:xfrm>
+            <a:off x="8465315" y="1652781"/>
+            <a:ext cx="1719263" cy="1593465"/>
+          </a:xfrm>
+          <a:custGeom>
+            <a:avLst/>
+            <a:gdLst>
+              <a:gd name="connsiteX0" fmla="*/ 1766887 w 1766887"/>
+              <a:gd name="connsiteY0" fmla="*/ 0 h 1590675"/>
+              <a:gd name="connsiteX1" fmla="*/ 0 w 1766887"/>
+              <a:gd name="connsiteY1" fmla="*/ 1590675 h 1590675"/>
+              <a:gd name="connsiteX0" fmla="*/ 1766887 w 1766887"/>
+              <a:gd name="connsiteY0" fmla="*/ 0 h 1593016"/>
+              <a:gd name="connsiteX1" fmla="*/ 0 w 1766887"/>
+              <a:gd name="connsiteY1" fmla="*/ 1590675 h 1593016"/>
+              <a:gd name="connsiteX0" fmla="*/ 1766887 w 1766887"/>
+              <a:gd name="connsiteY0" fmla="*/ 0 h 1593465"/>
+              <a:gd name="connsiteX1" fmla="*/ 0 w 1766887"/>
+              <a:gd name="connsiteY1" fmla="*/ 1590675 h 1593465"/>
+            </a:gdLst>
+            <a:ahLst/>
+            <a:cxnLst>
+              <a:cxn ang="0">
+                <a:pos x="connsiteX0" y="connsiteY0"/>
+              </a:cxn>
+              <a:cxn ang="0">
+                <a:pos x="connsiteX1" y="connsiteY1"/>
+              </a:cxn>
+            </a:cxnLst>
+            <a:rect l="l" t="t" r="r" b="b"/>
+            <a:pathLst>
+              <a:path w="1766887" h="1593465">
+                <a:moveTo>
+                  <a:pt x="1766887" y="0"/>
+                </a:moveTo>
+                <a:cubicBezTo>
+                  <a:pt x="1506537" y="720725"/>
+                  <a:pt x="765175" y="1651000"/>
+                  <a:pt x="0" y="1590675"/>
+                </a:cubicBezTo>
+              </a:path>
+            </a:pathLst>
+          </a:custGeom>
+          <a:noFill/>
+          <a:ln w="50800">
+            <a:solidFill>
+              <a:schemeClr val="bg1"/>
+            </a:solidFill>
+          </a:ln>
+        </p:spPr>
+        <p:style>
+          <a:lnRef idx="2">
+            <a:schemeClr val="accent1">
+              <a:shade val="15000"/>
+            </a:schemeClr>
+          </a:lnRef>
+          <a:fillRef idx="1">
+            <a:schemeClr val="accent1"/>
+          </a:fillRef>
+          <a:effectRef idx="0">
+            <a:schemeClr val="accent1"/>
+          </a:effectRef>
+          <a:fontRef idx="minor">
+            <a:schemeClr val="lt1"/>
+          </a:fontRef>
+        </p:style>
+        <p:txBody>
+          <a:bodyPr rtlCol="0" anchor="ctr"/>
+          <a:lstStyle/>
+          <a:p>
+            <a:pPr algn="ctr"/>
+            <a:endParaRPr lang="en-IN"/>
+          </a:p>
+        </p:txBody>
+      </p:sp>
+      <p:sp>
+        <p:nvSpPr>
+          <p:cNvPr id="21" name="Freeform: Shape 20">
+            <a:extLst>
+              <a:ext uri="{FF2B5EF4-FFF2-40B4-BE49-F238E27FC236}">
+                <a16:creationId xmlns:a16="http://schemas.microsoft.com/office/drawing/2014/main" id="{0126CB17-DDF7-600C-C84E-49684CD336B8}"/>
+              </a:ext>
+            </a:extLst>
+          </p:cNvPr>
+          <p:cNvSpPr/>
+          <p:nvPr/>
+        </p:nvSpPr>
+        <p:spPr>
+          <a:xfrm>
+            <a:off x="8443657" y="1695451"/>
+            <a:ext cx="1766887" cy="1593465"/>
+          </a:xfrm>
+          <a:custGeom>
+            <a:avLst/>
+            <a:gdLst>
+              <a:gd name="connsiteX0" fmla="*/ 1766887 w 1766887"/>
+              <a:gd name="connsiteY0" fmla="*/ 0 h 1590675"/>
+              <a:gd name="connsiteX1" fmla="*/ 0 w 1766887"/>
+              <a:gd name="connsiteY1" fmla="*/ 1590675 h 1590675"/>
+              <a:gd name="connsiteX0" fmla="*/ 1766887 w 1766887"/>
+              <a:gd name="connsiteY0" fmla="*/ 0 h 1593016"/>
+              <a:gd name="connsiteX1" fmla="*/ 0 w 1766887"/>
+              <a:gd name="connsiteY1" fmla="*/ 1590675 h 1593016"/>
+              <a:gd name="connsiteX0" fmla="*/ 1766887 w 1766887"/>
+              <a:gd name="connsiteY0" fmla="*/ 0 h 1593465"/>
+              <a:gd name="connsiteX1" fmla="*/ 0 w 1766887"/>
+              <a:gd name="connsiteY1" fmla="*/ 1590675 h 1593465"/>
+            </a:gdLst>
+            <a:ahLst/>
+            <a:cxnLst>
+              <a:cxn ang="0">
+                <a:pos x="connsiteX0" y="connsiteY0"/>
+              </a:cxn>
+              <a:cxn ang="0">
+                <a:pos x="connsiteX1" y="connsiteY1"/>
+              </a:cxn>
+            </a:cxnLst>
+            <a:rect l="l" t="t" r="r" b="b"/>
+            <a:pathLst>
+              <a:path w="1766887" h="1593465">
+                <a:moveTo>
+                  <a:pt x="1766887" y="0"/>
+                </a:moveTo>
+                <a:cubicBezTo>
+                  <a:pt x="1506537" y="720725"/>
+                  <a:pt x="765175" y="1651000"/>
+                  <a:pt x="0" y="1590675"/>
+                </a:cubicBezTo>
+              </a:path>
+            </a:pathLst>
+          </a:custGeom>
+          <a:noFill/>
+          <a:ln w="19050">
+            <a:solidFill>
+              <a:schemeClr val="tx1"/>
+            </a:solidFill>
+          </a:ln>
+        </p:spPr>
+        <p:style>
+          <a:lnRef idx="2">
+            <a:schemeClr val="accent1">
+              <a:shade val="15000"/>
+            </a:schemeClr>
+          </a:lnRef>
+          <a:fillRef idx="1">
+            <a:schemeClr val="accent1"/>
+          </a:fillRef>
+          <a:effectRef idx="0">
+            <a:schemeClr val="accent1"/>
+          </a:effectRef>
+          <a:fontRef idx="minor">
+            <a:schemeClr val="lt1"/>
+          </a:fontRef>
+        </p:style>
+        <p:txBody>
+          <a:bodyPr rtlCol="0" anchor="ctr"/>
+          <a:lstStyle/>
+          <a:p>
+            <a:pPr algn="ctr"/>
+            <a:endParaRPr lang="en-IN"/>
+          </a:p>
+        </p:txBody>
+      </p:sp>
+      <p:sp>
+        <p:nvSpPr>
+          <p:cNvPr id="22" name="Freeform: Shape 21">
+            <a:extLst>
+              <a:ext uri="{FF2B5EF4-FFF2-40B4-BE49-F238E27FC236}">
+                <a16:creationId xmlns:a16="http://schemas.microsoft.com/office/drawing/2014/main" id="{0FBCEA89-C1B5-9BE6-E6D2-60670230C0F3}"/>
+              </a:ext>
+            </a:extLst>
+          </p:cNvPr>
+          <p:cNvSpPr/>
+          <p:nvPr/>
+        </p:nvSpPr>
+        <p:spPr>
+          <a:xfrm>
+            <a:off x="8443656" y="1618590"/>
+            <a:ext cx="1719263" cy="1593465"/>
+          </a:xfrm>
+          <a:custGeom>
+            <a:avLst/>
+            <a:gdLst>
+              <a:gd name="connsiteX0" fmla="*/ 1766887 w 1766887"/>
+              <a:gd name="connsiteY0" fmla="*/ 0 h 1590675"/>
+              <a:gd name="connsiteX1" fmla="*/ 0 w 1766887"/>
+              <a:gd name="connsiteY1" fmla="*/ 1590675 h 1590675"/>
+              <a:gd name="connsiteX0" fmla="*/ 1766887 w 1766887"/>
+              <a:gd name="connsiteY0" fmla="*/ 0 h 1593016"/>
+              <a:gd name="connsiteX1" fmla="*/ 0 w 1766887"/>
+              <a:gd name="connsiteY1" fmla="*/ 1590675 h 1593016"/>
+              <a:gd name="connsiteX0" fmla="*/ 1766887 w 1766887"/>
+              <a:gd name="connsiteY0" fmla="*/ 0 h 1593465"/>
+              <a:gd name="connsiteX1" fmla="*/ 0 w 1766887"/>
+              <a:gd name="connsiteY1" fmla="*/ 1590675 h 1593465"/>
+            </a:gdLst>
+            <a:ahLst/>
+            <a:cxnLst>
+              <a:cxn ang="0">
+                <a:pos x="connsiteX0" y="connsiteY0"/>
+              </a:cxn>
+              <a:cxn ang="0">
+                <a:pos x="connsiteX1" y="connsiteY1"/>
+              </a:cxn>
+            </a:cxnLst>
+            <a:rect l="l" t="t" r="r" b="b"/>
+            <a:pathLst>
+              <a:path w="1766887" h="1593465">
+                <a:moveTo>
+                  <a:pt x="1766887" y="0"/>
+                </a:moveTo>
+                <a:cubicBezTo>
+                  <a:pt x="1506537" y="720725"/>
+                  <a:pt x="765175" y="1651000"/>
+                  <a:pt x="0" y="1590675"/>
+                </a:cubicBezTo>
+              </a:path>
+            </a:pathLst>
+          </a:custGeom>
+          <a:solidFill>
+            <a:schemeClr val="bg1">
+              <a:lumMod val="85000"/>
+            </a:schemeClr>
+          </a:solidFill>
+          <a:ln w="19050">
+            <a:solidFill>
+              <a:schemeClr val="tx1"/>
+            </a:solidFill>
+          </a:ln>
+        </p:spPr>
+        <p:style>
+          <a:lnRef idx="2">
+            <a:schemeClr val="accent1">
+              <a:shade val="15000"/>
+            </a:schemeClr>
+          </a:lnRef>
+          <a:fillRef idx="1">
+            <a:schemeClr val="accent1"/>
+          </a:fillRef>
+          <a:effectRef idx="0">
+            <a:schemeClr val="accent1"/>
+          </a:effectRef>
+          <a:fontRef idx="minor">
+            <a:schemeClr val="lt1"/>
+          </a:fontRef>
+        </p:style>
+        <p:txBody>
+          <a:bodyPr rtlCol="0" anchor="ctr"/>
+          <a:lstStyle/>
+          <a:p>
+            <a:pPr algn="ctr"/>
+            <a:endParaRPr lang="en-IN"/>
+          </a:p>
+        </p:txBody>
+      </p:sp>
+      <p:sp>
+        <p:nvSpPr>
+          <p:cNvPr id="23" name="TextBox 22">
+            <a:extLst>
+              <a:ext uri="{FF2B5EF4-FFF2-40B4-BE49-F238E27FC236}">
+                <a16:creationId xmlns:a16="http://schemas.microsoft.com/office/drawing/2014/main" id="{712AF7A2-54F4-5701-9C13-2C778A7C230B}"/>
               </a:ext>
             </a:extLst>
           </p:cNvPr>
@@ -17076,8 +18010,114 @@
         </p:nvSpPr>
         <p:spPr>
           <a:xfrm>
-            <a:off x="1418842" y="2343437"/>
-            <a:ext cx="1057659" cy="276999"/>
+            <a:off x="10903369" y="3329117"/>
+            <a:ext cx="283560" cy="276999"/>
+          </a:xfrm>
+          <a:prstGeom prst="rect">
+            <a:avLst/>
+          </a:prstGeom>
+          <a:noFill/>
+        </p:spPr>
+        <p:txBody>
+          <a:bodyPr wrap="square" lIns="0" tIns="0" rIns="0" bIns="0" rtlCol="0">
+            <a:spAutoFit/>
+          </a:bodyPr>
+          <a:lstStyle/>
+          <a:p>
+            <a:pPr algn="ctr"/>
+            <a:r>
+              <a:rPr lang="en-US" i="1" dirty="0">
+                <a:solidFill>
+                  <a:schemeClr val="bg1">
+                    <a:lumMod val="50000"/>
+                  </a:schemeClr>
+                </a:solidFill>
+                <a:latin typeface="Times New Roman" panose="02020603050405020304" pitchFamily="18" charset="0"/>
+                <a:cs typeface="Times New Roman" panose="02020603050405020304" pitchFamily="18" charset="0"/>
+              </a:rPr>
+              <a:t>x</a:t>
+            </a:r>
+            <a:endParaRPr lang="en-IN" i="1" dirty="0">
+              <a:solidFill>
+                <a:schemeClr val="bg1">
+                  <a:lumMod val="50000"/>
+                </a:schemeClr>
+              </a:solidFill>
+              <a:latin typeface="Times New Roman" panose="02020603050405020304" pitchFamily="18" charset="0"/>
+              <a:cs typeface="Times New Roman" panose="02020603050405020304" pitchFamily="18" charset="0"/>
+            </a:endParaRPr>
+          </a:p>
+        </p:txBody>
+      </p:sp>
+      <p:sp>
+        <p:nvSpPr>
+          <p:cNvPr id="24" name="TextBox 23">
+            <a:extLst>
+              <a:ext uri="{FF2B5EF4-FFF2-40B4-BE49-F238E27FC236}">
+                <a16:creationId xmlns:a16="http://schemas.microsoft.com/office/drawing/2014/main" id="{945D5699-46F4-EE52-8A3E-52E1F443BC0C}"/>
+              </a:ext>
+            </a:extLst>
+          </p:cNvPr>
+          <p:cNvSpPr txBox="1"/>
+          <p:nvPr/>
+        </p:nvSpPr>
+        <p:spPr>
+          <a:xfrm>
+            <a:off x="8057894" y="654577"/>
+            <a:ext cx="283560" cy="276999"/>
+          </a:xfrm>
+          <a:prstGeom prst="rect">
+            <a:avLst/>
+          </a:prstGeom>
+          <a:noFill/>
+        </p:spPr>
+        <p:txBody>
+          <a:bodyPr wrap="square" lIns="0" tIns="0" rIns="0" bIns="0" rtlCol="0">
+            <a:spAutoFit/>
+          </a:bodyPr>
+          <a:lstStyle/>
+          <a:p>
+            <a:pPr algn="ctr"/>
+            <a:r>
+              <a:rPr lang="en-US" i="1" dirty="0">
+                <a:solidFill>
+                  <a:schemeClr val="bg1">
+                    <a:lumMod val="50000"/>
+                  </a:schemeClr>
+                </a:solidFill>
+                <a:latin typeface="Times New Roman" panose="02020603050405020304" pitchFamily="18" charset="0"/>
+                <a:cs typeface="Times New Roman" panose="02020603050405020304" pitchFamily="18" charset="0"/>
+              </a:rPr>
+              <a:t>y</a:t>
+            </a:r>
+            <a:endParaRPr lang="en-IN" i="1" dirty="0">
+              <a:solidFill>
+                <a:schemeClr val="bg1">
+                  <a:lumMod val="50000"/>
+                </a:schemeClr>
+              </a:solidFill>
+              <a:latin typeface="Times New Roman" panose="02020603050405020304" pitchFamily="18" charset="0"/>
+              <a:cs typeface="Times New Roman" panose="02020603050405020304" pitchFamily="18" charset="0"/>
+            </a:endParaRPr>
+          </a:p>
+        </p:txBody>
+      </p:sp>
+      <p:sp>
+        <p:nvSpPr>
+          <p:cNvPr id="25" name="TextBox 24">
+            <a:extLst>
+              <a:ext uri="{FF2B5EF4-FFF2-40B4-BE49-F238E27FC236}">
+                <a16:creationId xmlns:a16="http://schemas.microsoft.com/office/drawing/2014/main" id="{8A559040-8078-4C68-F7C6-89CB41BF2DDF}"/>
+              </a:ext>
+            </a:extLst>
+          </p:cNvPr>
+          <p:cNvSpPr txBox="1"/>
+          <p:nvPr/>
+        </p:nvSpPr>
+        <p:spPr>
+          <a:xfrm>
+            <a:off x="8164400" y="3032017"/>
+            <a:ext cx="283560" cy="276999"/>
           </a:xfrm>
           <a:prstGeom prst="rect">
             <a:avLst/>
@@ -17096,7 +18136,7 @@
                 <a:latin typeface="Times New Roman" panose="02020603050405020304" pitchFamily="18" charset="0"/>
                 <a:cs typeface="Times New Roman" panose="02020603050405020304" pitchFamily="18" charset="0"/>
               </a:rPr>
-              <a:t>Position</a:t>
+              <a:t>O</a:t>
             </a:r>
             <a:endParaRPr lang="en-IN" dirty="0">
               <a:latin typeface="Times New Roman" panose="02020603050405020304" pitchFamily="18" charset="0"/>
@@ -17105,6 +18145,93 @@
           </a:p>
         </p:txBody>
       </p:sp>
+      <p:sp>
+        <p:nvSpPr>
+          <p:cNvPr id="26" name="TextBox 25">
+            <a:extLst>
+              <a:ext uri="{FF2B5EF4-FFF2-40B4-BE49-F238E27FC236}">
+                <a16:creationId xmlns:a16="http://schemas.microsoft.com/office/drawing/2014/main" id="{A0880680-0F1E-86E1-29B0-2B942092981B}"/>
+              </a:ext>
+            </a:extLst>
+          </p:cNvPr>
+          <p:cNvSpPr txBox="1"/>
+          <p:nvPr/>
+        </p:nvSpPr>
+        <p:spPr>
+          <a:xfrm>
+            <a:off x="10210600" y="1397117"/>
+            <a:ext cx="283560" cy="276999"/>
+          </a:xfrm>
+          <a:prstGeom prst="rect">
+            <a:avLst/>
+          </a:prstGeom>
+          <a:noFill/>
+        </p:spPr>
+        <p:txBody>
+          <a:bodyPr wrap="square" lIns="0" tIns="0" rIns="0" bIns="0" rtlCol="0">
+            <a:spAutoFit/>
+          </a:bodyPr>
+          <a:lstStyle/>
+          <a:p>
+            <a:pPr algn="ctr"/>
+            <a:r>
+              <a:rPr lang="en-US" dirty="0">
+                <a:latin typeface="Times New Roman" panose="02020603050405020304" pitchFamily="18" charset="0"/>
+                <a:cs typeface="Times New Roman" panose="02020603050405020304" pitchFamily="18" charset="0"/>
+              </a:rPr>
+              <a:t>A</a:t>
+            </a:r>
+            <a:endParaRPr lang="en-IN" dirty="0">
+              <a:latin typeface="Times New Roman" panose="02020603050405020304" pitchFamily="18" charset="0"/>
+              <a:cs typeface="Times New Roman" panose="02020603050405020304" pitchFamily="18" charset="0"/>
+            </a:endParaRPr>
+          </a:p>
+        </p:txBody>
+      </p:sp>
+      <p:cxnSp>
+        <p:nvCxnSpPr>
+          <p:cNvPr id="28" name="Straight Connector 27">
+            <a:extLst>
+              <a:ext uri="{FF2B5EF4-FFF2-40B4-BE49-F238E27FC236}">
+                <a16:creationId xmlns:a16="http://schemas.microsoft.com/office/drawing/2014/main" id="{C13BD63A-5577-3D07-D768-D0E5A1BF05A2}"/>
+              </a:ext>
+            </a:extLst>
+          </p:cNvPr>
+          <p:cNvCxnSpPr>
+            <a:cxnSpLocks/>
+            <a:endCxn id="17" idx="7"/>
+          </p:cNvCxnSpPr>
+          <p:nvPr/>
+        </p:nvCxnSpPr>
+        <p:spPr>
+          <a:xfrm flipV="1">
+            <a:off x="8415580" y="1627912"/>
+            <a:ext cx="1713485" cy="1600902"/>
+          </a:xfrm>
+          <a:prstGeom prst="line">
+            <a:avLst/>
+          </a:prstGeom>
+          <a:ln w="19050">
+            <a:solidFill>
+              <a:schemeClr val="tx1"/>
+            </a:solidFill>
+          </a:ln>
+        </p:spPr>
+        <p:style>
+          <a:lnRef idx="1">
+            <a:schemeClr val="accent1"/>
+          </a:lnRef>
+          <a:fillRef idx="0">
+            <a:schemeClr val="accent1"/>
+          </a:fillRef>
+          <a:effectRef idx="0">
+            <a:schemeClr val="accent1"/>
+          </a:effectRef>
+          <a:fontRef idx="minor">
+            <a:schemeClr val="tx1"/>
+          </a:fontRef>
+        </p:style>
+      </p:cxnSp>
     </p:spTree>
     <p:extLst>
       <p:ext uri="{BB962C8B-B14F-4D97-AF65-F5344CB8AC3E}">

--- a/01_ME/03_Motion in 1D/img/img.pptx
+++ b/01_ME/03_Motion in 1D/img/img.pptx
@@ -276,7 +276,7 @@
           <a:p>
             <a:fld id="{0D347031-C3BF-4810-B069-59C71B694E9B}" type="datetimeFigureOut">
               <a:rPr lang="en-IN" smtClean="0"/>
-              <a:t>01-02-2025</a:t>
+              <a:t>12-02-2025</a:t>
             </a:fld>
             <a:endParaRPr lang="en-IN"/>
           </a:p>
@@ -476,7 +476,7 @@
           <a:p>
             <a:fld id="{0D347031-C3BF-4810-B069-59C71B694E9B}" type="datetimeFigureOut">
               <a:rPr lang="en-IN" smtClean="0"/>
-              <a:t>01-02-2025</a:t>
+              <a:t>12-02-2025</a:t>
             </a:fld>
             <a:endParaRPr lang="en-IN"/>
           </a:p>
@@ -686,7 +686,7 @@
           <a:p>
             <a:fld id="{0D347031-C3BF-4810-B069-59C71B694E9B}" type="datetimeFigureOut">
               <a:rPr lang="en-IN" smtClean="0"/>
-              <a:t>01-02-2025</a:t>
+              <a:t>12-02-2025</a:t>
             </a:fld>
             <a:endParaRPr lang="en-IN"/>
           </a:p>
@@ -886,7 +886,7 @@
           <a:p>
             <a:fld id="{0D347031-C3BF-4810-B069-59C71B694E9B}" type="datetimeFigureOut">
               <a:rPr lang="en-IN" smtClean="0"/>
-              <a:t>01-02-2025</a:t>
+              <a:t>12-02-2025</a:t>
             </a:fld>
             <a:endParaRPr lang="en-IN"/>
           </a:p>
@@ -1162,7 +1162,7 @@
           <a:p>
             <a:fld id="{0D347031-C3BF-4810-B069-59C71B694E9B}" type="datetimeFigureOut">
               <a:rPr lang="en-IN" smtClean="0"/>
-              <a:t>01-02-2025</a:t>
+              <a:t>12-02-2025</a:t>
             </a:fld>
             <a:endParaRPr lang="en-IN"/>
           </a:p>
@@ -1430,7 +1430,7 @@
           <a:p>
             <a:fld id="{0D347031-C3BF-4810-B069-59C71B694E9B}" type="datetimeFigureOut">
               <a:rPr lang="en-IN" smtClean="0"/>
-              <a:t>01-02-2025</a:t>
+              <a:t>12-02-2025</a:t>
             </a:fld>
             <a:endParaRPr lang="en-IN"/>
           </a:p>
@@ -1845,7 +1845,7 @@
           <a:p>
             <a:fld id="{0D347031-C3BF-4810-B069-59C71B694E9B}" type="datetimeFigureOut">
               <a:rPr lang="en-IN" smtClean="0"/>
-              <a:t>01-02-2025</a:t>
+              <a:t>12-02-2025</a:t>
             </a:fld>
             <a:endParaRPr lang="en-IN"/>
           </a:p>
@@ -1987,7 +1987,7 @@
           <a:p>
             <a:fld id="{0D347031-C3BF-4810-B069-59C71B694E9B}" type="datetimeFigureOut">
               <a:rPr lang="en-IN" smtClean="0"/>
-              <a:t>01-02-2025</a:t>
+              <a:t>12-02-2025</a:t>
             </a:fld>
             <a:endParaRPr lang="en-IN"/>
           </a:p>
@@ -2100,7 +2100,7 @@
           <a:p>
             <a:fld id="{0D347031-C3BF-4810-B069-59C71B694E9B}" type="datetimeFigureOut">
               <a:rPr lang="en-IN" smtClean="0"/>
-              <a:t>01-02-2025</a:t>
+              <a:t>12-02-2025</a:t>
             </a:fld>
             <a:endParaRPr lang="en-IN"/>
           </a:p>
@@ -2413,7 +2413,7 @@
           <a:p>
             <a:fld id="{0D347031-C3BF-4810-B069-59C71B694E9B}" type="datetimeFigureOut">
               <a:rPr lang="en-IN" smtClean="0"/>
-              <a:t>01-02-2025</a:t>
+              <a:t>12-02-2025</a:t>
             </a:fld>
             <a:endParaRPr lang="en-IN"/>
           </a:p>
@@ -2702,7 +2702,7 @@
           <a:p>
             <a:fld id="{0D347031-C3BF-4810-B069-59C71B694E9B}" type="datetimeFigureOut">
               <a:rPr lang="en-IN" smtClean="0"/>
-              <a:t>01-02-2025</a:t>
+              <a:t>12-02-2025</a:t>
             </a:fld>
             <a:endParaRPr lang="en-IN"/>
           </a:p>
@@ -2945,7 +2945,7 @@
           <a:p>
             <a:fld id="{0D347031-C3BF-4810-B069-59C71B694E9B}" type="datetimeFigureOut">
               <a:rPr lang="en-IN" smtClean="0"/>
-              <a:t>01-02-2025</a:t>
+              <a:t>12-02-2025</a:t>
             </a:fld>
             <a:endParaRPr lang="en-IN"/>
           </a:p>
@@ -3972,6 +3972,1132 @@
           </a:p>
         </p:txBody>
       </p:sp>
+      <p:sp>
+        <p:nvSpPr>
+          <p:cNvPr id="2" name="Rectangle 1">
+            <a:extLst>
+              <a:ext uri="{FF2B5EF4-FFF2-40B4-BE49-F238E27FC236}">
+                <a16:creationId xmlns:a16="http://schemas.microsoft.com/office/drawing/2014/main" id="{DF438EF2-C94F-E027-EEC5-7AE22C303432}"/>
+              </a:ext>
+            </a:extLst>
+          </p:cNvPr>
+          <p:cNvSpPr/>
+          <p:nvPr/>
+        </p:nvSpPr>
+        <p:spPr>
+          <a:xfrm>
+            <a:off x="6454833" y="537188"/>
+            <a:ext cx="3500706" cy="2338000"/>
+          </a:xfrm>
+          <a:prstGeom prst="rect">
+            <a:avLst/>
+          </a:prstGeom>
+          <a:pattFill prst="dotGrid">
+            <a:fgClr>
+              <a:schemeClr val="bg1">
+                <a:lumMod val="85000"/>
+              </a:schemeClr>
+            </a:fgClr>
+            <a:bgClr>
+              <a:schemeClr val="bg1"/>
+            </a:bgClr>
+          </a:pattFill>
+          <a:ln>
+            <a:noFill/>
+          </a:ln>
+        </p:spPr>
+        <p:style>
+          <a:lnRef idx="2">
+            <a:schemeClr val="accent1">
+              <a:shade val="15000"/>
+            </a:schemeClr>
+          </a:lnRef>
+          <a:fillRef idx="1">
+            <a:schemeClr val="accent1"/>
+          </a:fillRef>
+          <a:effectRef idx="0">
+            <a:schemeClr val="accent1"/>
+          </a:effectRef>
+          <a:fontRef idx="minor">
+            <a:schemeClr val="lt1"/>
+          </a:fontRef>
+        </p:style>
+        <p:txBody>
+          <a:bodyPr rtlCol="0" anchor="ctr"/>
+          <a:lstStyle/>
+          <a:p>
+            <a:pPr algn="ctr"/>
+            <a:endParaRPr lang="en-IN"/>
+          </a:p>
+        </p:txBody>
+      </p:sp>
+      <p:cxnSp>
+        <p:nvCxnSpPr>
+          <p:cNvPr id="3" name="Straight Connector 2">
+            <a:extLst>
+              <a:ext uri="{FF2B5EF4-FFF2-40B4-BE49-F238E27FC236}">
+                <a16:creationId xmlns:a16="http://schemas.microsoft.com/office/drawing/2014/main" id="{A804AD33-36C1-F36B-D2E7-2BAEF52EB016}"/>
+              </a:ext>
+            </a:extLst>
+          </p:cNvPr>
+          <p:cNvCxnSpPr>
+            <a:cxnSpLocks/>
+          </p:cNvCxnSpPr>
+          <p:nvPr/>
+        </p:nvCxnSpPr>
+        <p:spPr>
+          <a:xfrm flipV="1">
+            <a:off x="6456926" y="537187"/>
+            <a:ext cx="0" cy="2891813"/>
+          </a:xfrm>
+          <a:prstGeom prst="line">
+            <a:avLst/>
+          </a:prstGeom>
+          <a:ln w="28575">
+            <a:solidFill>
+              <a:schemeClr val="bg1">
+                <a:lumMod val="50000"/>
+              </a:schemeClr>
+            </a:solidFill>
+            <a:tailEnd type="stealth" w="lg" len="lg"/>
+          </a:ln>
+        </p:spPr>
+        <p:style>
+          <a:lnRef idx="1">
+            <a:schemeClr val="accent1"/>
+          </a:lnRef>
+          <a:fillRef idx="0">
+            <a:schemeClr val="accent1"/>
+          </a:fillRef>
+          <a:effectRef idx="0">
+            <a:schemeClr val="accent1"/>
+          </a:effectRef>
+          <a:fontRef idx="minor">
+            <a:schemeClr val="tx1"/>
+          </a:fontRef>
+        </p:style>
+      </p:cxnSp>
+      <p:cxnSp>
+        <p:nvCxnSpPr>
+          <p:cNvPr id="9" name="Straight Connector 8">
+            <a:extLst>
+              <a:ext uri="{FF2B5EF4-FFF2-40B4-BE49-F238E27FC236}">
+                <a16:creationId xmlns:a16="http://schemas.microsoft.com/office/drawing/2014/main" id="{AB422E54-695A-A412-16BE-664BD8F389DA}"/>
+              </a:ext>
+            </a:extLst>
+          </p:cNvPr>
+          <p:cNvCxnSpPr>
+            <a:cxnSpLocks/>
+          </p:cNvCxnSpPr>
+          <p:nvPr/>
+        </p:nvCxnSpPr>
+        <p:spPr>
+          <a:xfrm>
+            <a:off x="5953512" y="2875187"/>
+            <a:ext cx="4002027" cy="0"/>
+          </a:xfrm>
+          <a:prstGeom prst="line">
+            <a:avLst/>
+          </a:prstGeom>
+          <a:ln w="28575">
+            <a:solidFill>
+              <a:schemeClr val="bg1">
+                <a:lumMod val="50000"/>
+              </a:schemeClr>
+            </a:solidFill>
+            <a:tailEnd type="stealth" w="lg" len="lg"/>
+          </a:ln>
+        </p:spPr>
+        <p:style>
+          <a:lnRef idx="1">
+            <a:schemeClr val="accent1"/>
+          </a:lnRef>
+          <a:fillRef idx="0">
+            <a:schemeClr val="accent1"/>
+          </a:fillRef>
+          <a:effectRef idx="0">
+            <a:schemeClr val="accent1"/>
+          </a:effectRef>
+          <a:fontRef idx="minor">
+            <a:schemeClr val="tx1"/>
+          </a:fontRef>
+        </p:style>
+      </p:cxnSp>
+      <p:sp>
+        <p:nvSpPr>
+          <p:cNvPr id="11" name="TextBox 10">
+            <a:extLst>
+              <a:ext uri="{FF2B5EF4-FFF2-40B4-BE49-F238E27FC236}">
+                <a16:creationId xmlns:a16="http://schemas.microsoft.com/office/drawing/2014/main" id="{87A1E15C-5A56-1AD9-A507-0008DFE9A49D}"/>
+              </a:ext>
+            </a:extLst>
+          </p:cNvPr>
+          <p:cNvSpPr txBox="1"/>
+          <p:nvPr/>
+        </p:nvSpPr>
+        <p:spPr>
+          <a:xfrm>
+            <a:off x="6921450" y="3218306"/>
+            <a:ext cx="2417899" cy="276999"/>
+          </a:xfrm>
+          <a:prstGeom prst="rect">
+            <a:avLst/>
+          </a:prstGeom>
+          <a:noFill/>
+        </p:spPr>
+        <p:txBody>
+          <a:bodyPr wrap="square" lIns="0" tIns="0" rIns="0" bIns="0" rtlCol="0">
+            <a:spAutoFit/>
+          </a:bodyPr>
+          <a:lstStyle/>
+          <a:p>
+            <a:pPr algn="ctr"/>
+            <a:r>
+              <a:rPr lang="en-US" dirty="0">
+                <a:solidFill>
+                  <a:schemeClr val="bg1">
+                    <a:lumMod val="50000"/>
+                  </a:schemeClr>
+                </a:solidFill>
+                <a:latin typeface="Times New Roman" panose="02020603050405020304" pitchFamily="18" charset="0"/>
+                <a:cs typeface="Times New Roman" panose="02020603050405020304" pitchFamily="18" charset="0"/>
+              </a:rPr>
+              <a:t>Refractive index </a:t>
+            </a:r>
+            <a:r>
+              <a:rPr lang="en-US" dirty="0">
+                <a:solidFill>
+                  <a:schemeClr val="bg1">
+                    <a:lumMod val="50000"/>
+                  </a:schemeClr>
+                </a:solidFill>
+                <a:latin typeface="Symbol" panose="05050102010706020507" pitchFamily="18" charset="2"/>
+                <a:cs typeface="Times New Roman" panose="02020603050405020304" pitchFamily="18" charset="0"/>
+              </a:rPr>
+              <a:t>m</a:t>
+            </a:r>
+            <a:r>
+              <a:rPr lang="en-US" baseline="-25000" dirty="0">
+                <a:solidFill>
+                  <a:schemeClr val="bg1">
+                    <a:lumMod val="50000"/>
+                  </a:schemeClr>
+                </a:solidFill>
+                <a:latin typeface="Times New Roman" panose="02020603050405020304" pitchFamily="18" charset="0"/>
+                <a:cs typeface="Times New Roman" panose="02020603050405020304" pitchFamily="18" charset="0"/>
+              </a:rPr>
+              <a:t>1</a:t>
+            </a:r>
+            <a:endParaRPr lang="en-IN" baseline="-25000" dirty="0">
+              <a:solidFill>
+                <a:schemeClr val="bg1">
+                  <a:lumMod val="50000"/>
+                </a:schemeClr>
+              </a:solidFill>
+              <a:latin typeface="Times New Roman" panose="02020603050405020304" pitchFamily="18" charset="0"/>
+              <a:cs typeface="Times New Roman" panose="02020603050405020304" pitchFamily="18" charset="0"/>
+            </a:endParaRPr>
+          </a:p>
+        </p:txBody>
+      </p:sp>
+      <p:sp>
+        <p:nvSpPr>
+          <p:cNvPr id="15" name="TextBox 14">
+            <a:extLst>
+              <a:ext uri="{FF2B5EF4-FFF2-40B4-BE49-F238E27FC236}">
+                <a16:creationId xmlns:a16="http://schemas.microsoft.com/office/drawing/2014/main" id="{150AF3D5-8B31-5C7A-8928-9E4126B2F445}"/>
+              </a:ext>
+            </a:extLst>
+          </p:cNvPr>
+          <p:cNvSpPr txBox="1"/>
+          <p:nvPr/>
+        </p:nvSpPr>
+        <p:spPr>
+          <a:xfrm rot="16200000">
+            <a:off x="5194141" y="1518892"/>
+            <a:ext cx="1760306" cy="276999"/>
+          </a:xfrm>
+          <a:prstGeom prst="rect">
+            <a:avLst/>
+          </a:prstGeom>
+          <a:noFill/>
+        </p:spPr>
+        <p:txBody>
+          <a:bodyPr wrap="square" lIns="0" tIns="0" rIns="0" bIns="0" rtlCol="0">
+            <a:spAutoFit/>
+          </a:bodyPr>
+          <a:lstStyle/>
+          <a:p>
+            <a:pPr algn="ctr"/>
+            <a:r>
+              <a:rPr lang="en-US" dirty="0">
+                <a:solidFill>
+                  <a:schemeClr val="bg1">
+                    <a:lumMod val="50000"/>
+                  </a:schemeClr>
+                </a:solidFill>
+                <a:latin typeface="Times New Roman" panose="02020603050405020304" pitchFamily="18" charset="0"/>
+                <a:cs typeface="Times New Roman" panose="02020603050405020304" pitchFamily="18" charset="0"/>
+              </a:rPr>
+              <a:t>Angle of deviation</a:t>
+            </a:r>
+            <a:endParaRPr lang="en-IN" dirty="0">
+              <a:solidFill>
+                <a:schemeClr val="bg1">
+                  <a:lumMod val="50000"/>
+                </a:schemeClr>
+              </a:solidFill>
+              <a:latin typeface="Times New Roman" panose="02020603050405020304" pitchFamily="18" charset="0"/>
+              <a:cs typeface="Times New Roman" panose="02020603050405020304" pitchFamily="18" charset="0"/>
+            </a:endParaRPr>
+          </a:p>
+        </p:txBody>
+      </p:sp>
+      <p:sp>
+        <p:nvSpPr>
+          <p:cNvPr id="18" name="Freeform: Shape 17">
+            <a:extLst>
+              <a:ext uri="{FF2B5EF4-FFF2-40B4-BE49-F238E27FC236}">
+                <a16:creationId xmlns:a16="http://schemas.microsoft.com/office/drawing/2014/main" id="{D5951070-04CE-3044-881E-2CCC23961FBE}"/>
+              </a:ext>
+            </a:extLst>
+          </p:cNvPr>
+          <p:cNvSpPr/>
+          <p:nvPr/>
+        </p:nvSpPr>
+        <p:spPr>
+          <a:xfrm>
+            <a:off x="6870469" y="3890984"/>
+            <a:ext cx="2527069" cy="1379913"/>
+          </a:xfrm>
+          <a:custGeom>
+            <a:avLst/>
+            <a:gdLst>
+              <a:gd name="connsiteX0" fmla="*/ 0 w 2527069"/>
+              <a:gd name="connsiteY0" fmla="*/ 1379913 h 1379913"/>
+              <a:gd name="connsiteX1" fmla="*/ 473826 w 2527069"/>
+              <a:gd name="connsiteY1" fmla="*/ 519546 h 1379913"/>
+              <a:gd name="connsiteX2" fmla="*/ 1234440 w 2527069"/>
+              <a:gd name="connsiteY2" fmla="*/ 1043248 h 1379913"/>
+              <a:gd name="connsiteX3" fmla="*/ 2527069 w 2527069"/>
+              <a:gd name="connsiteY3" fmla="*/ 0 h 1379913"/>
+            </a:gdLst>
+            <a:ahLst/>
+            <a:cxnLst>
+              <a:cxn ang="0">
+                <a:pos x="connsiteX0" y="connsiteY0"/>
+              </a:cxn>
+              <a:cxn ang="0">
+                <a:pos x="connsiteX1" y="connsiteY1"/>
+              </a:cxn>
+              <a:cxn ang="0">
+                <a:pos x="connsiteX2" y="connsiteY2"/>
+              </a:cxn>
+              <a:cxn ang="0">
+                <a:pos x="connsiteX3" y="connsiteY3"/>
+              </a:cxn>
+            </a:cxnLst>
+            <a:rect l="l" t="t" r="r" b="b"/>
+            <a:pathLst>
+              <a:path w="2527069" h="1379913">
+                <a:moveTo>
+                  <a:pt x="0" y="1379913"/>
+                </a:moveTo>
+                <a:cubicBezTo>
+                  <a:pt x="134043" y="977785"/>
+                  <a:pt x="268086" y="575657"/>
+                  <a:pt x="473826" y="519546"/>
+                </a:cubicBezTo>
+                <a:cubicBezTo>
+                  <a:pt x="679566" y="463435"/>
+                  <a:pt x="892233" y="1129839"/>
+                  <a:pt x="1234440" y="1043248"/>
+                </a:cubicBezTo>
+                <a:cubicBezTo>
+                  <a:pt x="1576647" y="956657"/>
+                  <a:pt x="2051858" y="478328"/>
+                  <a:pt x="2527069" y="0"/>
+                </a:cubicBezTo>
+              </a:path>
+            </a:pathLst>
+          </a:custGeom>
+          <a:noFill/>
+          <a:ln w="38100">
+            <a:solidFill>
+              <a:schemeClr val="accent5">
+                <a:lumMod val="75000"/>
+              </a:schemeClr>
+            </a:solidFill>
+          </a:ln>
+        </p:spPr>
+        <p:style>
+          <a:lnRef idx="2">
+            <a:schemeClr val="accent1">
+              <a:shade val="15000"/>
+            </a:schemeClr>
+          </a:lnRef>
+          <a:fillRef idx="1">
+            <a:schemeClr val="accent1"/>
+          </a:fillRef>
+          <a:effectRef idx="0">
+            <a:schemeClr val="accent1"/>
+          </a:effectRef>
+          <a:fontRef idx="minor">
+            <a:schemeClr val="lt1"/>
+          </a:fontRef>
+        </p:style>
+        <p:txBody>
+          <a:bodyPr rtlCol="0" anchor="ctr"/>
+          <a:lstStyle/>
+          <a:p>
+            <a:pPr algn="ctr"/>
+            <a:endParaRPr lang="en-IN"/>
+          </a:p>
+        </p:txBody>
+      </p:sp>
+      <p:sp>
+        <p:nvSpPr>
+          <p:cNvPr id="20" name="Oval 19">
+            <a:extLst>
+              <a:ext uri="{FF2B5EF4-FFF2-40B4-BE49-F238E27FC236}">
+                <a16:creationId xmlns:a16="http://schemas.microsoft.com/office/drawing/2014/main" id="{99A4E6CB-E093-B400-0C49-E033A255D0B2}"/>
+              </a:ext>
+            </a:extLst>
+          </p:cNvPr>
+          <p:cNvSpPr/>
+          <p:nvPr/>
+        </p:nvSpPr>
+        <p:spPr>
+          <a:xfrm>
+            <a:off x="2676700" y="5535597"/>
+            <a:ext cx="83124" cy="83124"/>
+          </a:xfrm>
+          <a:prstGeom prst="ellipse">
+            <a:avLst/>
+          </a:prstGeom>
+          <a:noFill/>
+          <a:ln w="19050">
+            <a:solidFill>
+              <a:schemeClr val="tx1"/>
+            </a:solidFill>
+          </a:ln>
+        </p:spPr>
+        <p:style>
+          <a:lnRef idx="2">
+            <a:schemeClr val="accent1">
+              <a:shade val="15000"/>
+            </a:schemeClr>
+          </a:lnRef>
+          <a:fillRef idx="1">
+            <a:schemeClr val="accent1"/>
+          </a:fillRef>
+          <a:effectRef idx="0">
+            <a:schemeClr val="accent1"/>
+          </a:effectRef>
+          <a:fontRef idx="minor">
+            <a:schemeClr val="lt1"/>
+          </a:fontRef>
+        </p:style>
+        <p:txBody>
+          <a:bodyPr rtlCol="0" anchor="ctr"/>
+          <a:lstStyle/>
+          <a:p>
+            <a:pPr algn="ctr"/>
+            <a:endParaRPr lang="en-IN"/>
+          </a:p>
+        </p:txBody>
+      </p:sp>
+      <p:sp>
+        <p:nvSpPr>
+          <p:cNvPr id="21" name="Oval 20">
+            <a:extLst>
+              <a:ext uri="{FF2B5EF4-FFF2-40B4-BE49-F238E27FC236}">
+                <a16:creationId xmlns:a16="http://schemas.microsoft.com/office/drawing/2014/main" id="{90FE34F1-E67D-3B10-886F-AFE2F8246076}"/>
+              </a:ext>
+            </a:extLst>
+          </p:cNvPr>
+          <p:cNvSpPr/>
+          <p:nvPr/>
+        </p:nvSpPr>
+        <p:spPr>
+          <a:xfrm>
+            <a:off x="4225710" y="5004137"/>
+            <a:ext cx="83124" cy="83124"/>
+          </a:xfrm>
+          <a:prstGeom prst="ellipse">
+            <a:avLst/>
+          </a:prstGeom>
+          <a:noFill/>
+          <a:ln w="19050">
+            <a:solidFill>
+              <a:schemeClr val="tx1"/>
+            </a:solidFill>
+          </a:ln>
+        </p:spPr>
+        <p:style>
+          <a:lnRef idx="2">
+            <a:schemeClr val="accent1">
+              <a:shade val="15000"/>
+            </a:schemeClr>
+          </a:lnRef>
+          <a:fillRef idx="1">
+            <a:schemeClr val="accent1"/>
+          </a:fillRef>
+          <a:effectRef idx="0">
+            <a:schemeClr val="accent1"/>
+          </a:effectRef>
+          <a:fontRef idx="minor">
+            <a:schemeClr val="lt1"/>
+          </a:fontRef>
+        </p:style>
+        <p:txBody>
+          <a:bodyPr rtlCol="0" anchor="ctr"/>
+          <a:lstStyle/>
+          <a:p>
+            <a:pPr algn="ctr"/>
+            <a:endParaRPr lang="en-IN"/>
+          </a:p>
+        </p:txBody>
+      </p:sp>
+      <p:sp>
+        <p:nvSpPr>
+          <p:cNvPr id="22" name="TextBox 21">
+            <a:extLst>
+              <a:ext uri="{FF2B5EF4-FFF2-40B4-BE49-F238E27FC236}">
+                <a16:creationId xmlns:a16="http://schemas.microsoft.com/office/drawing/2014/main" id="{F064FB15-8745-B0C6-977B-931ADAAFED1F}"/>
+              </a:ext>
+            </a:extLst>
+          </p:cNvPr>
+          <p:cNvSpPr txBox="1"/>
+          <p:nvPr/>
+        </p:nvSpPr>
+        <p:spPr>
+          <a:xfrm>
+            <a:off x="2606659" y="5234381"/>
+            <a:ext cx="227500" cy="276999"/>
+          </a:xfrm>
+          <a:prstGeom prst="rect">
+            <a:avLst/>
+          </a:prstGeom>
+          <a:solidFill>
+            <a:srgbClr val="2E75B6">
+              <a:alpha val="10196"/>
+            </a:srgbClr>
+          </a:solidFill>
+        </p:spPr>
+        <p:txBody>
+          <a:bodyPr wrap="square" lIns="0" tIns="0" rIns="0" bIns="0" rtlCol="0">
+            <a:spAutoFit/>
+          </a:bodyPr>
+          <a:lstStyle/>
+          <a:p>
+            <a:pPr algn="ctr"/>
+            <a:r>
+              <a:rPr lang="en-US" dirty="0">
+                <a:latin typeface="Times New Roman" panose="02020603050405020304" pitchFamily="18" charset="0"/>
+                <a:cs typeface="Times New Roman" panose="02020603050405020304" pitchFamily="18" charset="0"/>
+              </a:rPr>
+              <a:t>A</a:t>
+            </a:r>
+            <a:endParaRPr lang="en-IN" dirty="0">
+              <a:latin typeface="Times New Roman" panose="02020603050405020304" pitchFamily="18" charset="0"/>
+              <a:cs typeface="Times New Roman" panose="02020603050405020304" pitchFamily="18" charset="0"/>
+            </a:endParaRPr>
+          </a:p>
+        </p:txBody>
+      </p:sp>
+      <p:sp>
+        <p:nvSpPr>
+          <p:cNvPr id="23" name="TextBox 22">
+            <a:extLst>
+              <a:ext uri="{FF2B5EF4-FFF2-40B4-BE49-F238E27FC236}">
+                <a16:creationId xmlns:a16="http://schemas.microsoft.com/office/drawing/2014/main" id="{FC6F19CB-F8B6-0AAE-4AA5-80BBB562168C}"/>
+              </a:ext>
+            </a:extLst>
+          </p:cNvPr>
+          <p:cNvSpPr txBox="1"/>
+          <p:nvPr/>
+        </p:nvSpPr>
+        <p:spPr>
+          <a:xfrm>
+            <a:off x="4081334" y="4700225"/>
+            <a:ext cx="227500" cy="276999"/>
+          </a:xfrm>
+          <a:prstGeom prst="rect">
+            <a:avLst/>
+          </a:prstGeom>
+          <a:solidFill>
+            <a:srgbClr val="2E75B6">
+              <a:alpha val="10196"/>
+            </a:srgbClr>
+          </a:solidFill>
+        </p:spPr>
+        <p:txBody>
+          <a:bodyPr wrap="square" lIns="0" tIns="0" rIns="0" bIns="0" rtlCol="0">
+            <a:spAutoFit/>
+          </a:bodyPr>
+          <a:lstStyle/>
+          <a:p>
+            <a:pPr algn="ctr"/>
+            <a:r>
+              <a:rPr lang="en-US" dirty="0">
+                <a:latin typeface="Times New Roman" panose="02020603050405020304" pitchFamily="18" charset="0"/>
+                <a:cs typeface="Times New Roman" panose="02020603050405020304" pitchFamily="18" charset="0"/>
+              </a:rPr>
+              <a:t>B</a:t>
+            </a:r>
+            <a:endParaRPr lang="en-IN" dirty="0">
+              <a:latin typeface="Times New Roman" panose="02020603050405020304" pitchFamily="18" charset="0"/>
+              <a:cs typeface="Times New Roman" panose="02020603050405020304" pitchFamily="18" charset="0"/>
+            </a:endParaRPr>
+          </a:p>
+        </p:txBody>
+      </p:sp>
+      <p:graphicFrame>
+        <p:nvGraphicFramePr>
+          <p:cNvPr id="24" name="Object 23">
+            <a:extLst>
+              <a:ext uri="{FF2B5EF4-FFF2-40B4-BE49-F238E27FC236}">
+                <a16:creationId xmlns:a16="http://schemas.microsoft.com/office/drawing/2014/main" id="{A492577A-671A-BF79-56D4-E864485F0EE2}"/>
+              </a:ext>
+            </a:extLst>
+          </p:cNvPr>
+          <p:cNvGraphicFramePr>
+            <a:graphicFrameLocks noChangeAspect="1"/>
+          </p:cNvGraphicFramePr>
+          <p:nvPr>
+            <p:extLst>
+              <p:ext uri="{D42A27DB-BD31-4B8C-83A1-F6EECF244321}">
+                <p14:modId xmlns:p14="http://schemas.microsoft.com/office/powerpoint/2010/main" val="1634485973"/>
+              </p:ext>
+            </p:extLst>
+          </p:nvPr>
+        </p:nvGraphicFramePr>
+        <p:xfrm>
+          <a:off x="6196013" y="1771650"/>
+          <a:ext cx="261937" cy="314325"/>
+        </p:xfrm>
+        <a:graphic>
+          <a:graphicData uri="http://schemas.openxmlformats.org/presentationml/2006/ole">
+            <mc:AlternateContent xmlns:mc="http://schemas.openxmlformats.org/markup-compatibility/2006">
+              <mc:Choice xmlns:v="urn:schemas-microsoft-com:vml" Requires="v">
+                <p:oleObj name="Equation" r:id="rId2" imgW="190440" imgH="228600" progId="Equation.DSMT4">
+                  <p:embed/>
+                </p:oleObj>
+              </mc:Choice>
+              <mc:Fallback>
+                <p:oleObj name="Equation" r:id="rId2" imgW="190440" imgH="228600" progId="Equation.DSMT4">
+                  <p:embed/>
+                  <p:pic>
+                    <p:nvPicPr>
+                      <p:cNvPr id="0" name=""/>
+                      <p:cNvPicPr/>
+                      <p:nvPr/>
+                    </p:nvPicPr>
+                    <p:blipFill>
+                      <a:blip r:embed="rId3"/>
+                      <a:stretch>
+                        <a:fillRect/>
+                      </a:stretch>
+                    </p:blipFill>
+                    <p:spPr>
+                      <a:xfrm>
+                        <a:off x="6196013" y="1771650"/>
+                        <a:ext cx="261937" cy="314325"/>
+                      </a:xfrm>
+                      <a:prstGeom prst="rect">
+                        <a:avLst/>
+                      </a:prstGeom>
+                    </p:spPr>
+                  </p:pic>
+                </p:oleObj>
+              </mc:Fallback>
+            </mc:AlternateContent>
+          </a:graphicData>
+        </a:graphic>
+      </p:graphicFrame>
+      <p:cxnSp>
+        <p:nvCxnSpPr>
+          <p:cNvPr id="26" name="Straight Connector 25">
+            <a:extLst>
+              <a:ext uri="{FF2B5EF4-FFF2-40B4-BE49-F238E27FC236}">
+                <a16:creationId xmlns:a16="http://schemas.microsoft.com/office/drawing/2014/main" id="{FCD8599B-A28E-62D4-CC99-1382878573CC}"/>
+              </a:ext>
+            </a:extLst>
+          </p:cNvPr>
+          <p:cNvCxnSpPr/>
+          <p:nvPr/>
+        </p:nvCxnSpPr>
+        <p:spPr>
+          <a:xfrm>
+            <a:off x="6454833" y="1417319"/>
+            <a:ext cx="2884516" cy="0"/>
+          </a:xfrm>
+          <a:prstGeom prst="line">
+            <a:avLst/>
+          </a:prstGeom>
+          <a:ln>
+            <a:solidFill>
+              <a:schemeClr val="tx1"/>
+            </a:solidFill>
+            <a:prstDash val="dashDot"/>
+          </a:ln>
+        </p:spPr>
+        <p:style>
+          <a:lnRef idx="1">
+            <a:schemeClr val="accent1"/>
+          </a:lnRef>
+          <a:fillRef idx="0">
+            <a:schemeClr val="accent1"/>
+          </a:fillRef>
+          <a:effectRef idx="0">
+            <a:schemeClr val="accent1"/>
+          </a:effectRef>
+          <a:fontRef idx="minor">
+            <a:schemeClr val="tx1"/>
+          </a:fontRef>
+        </p:style>
+      </p:cxnSp>
+      <p:cxnSp>
+        <p:nvCxnSpPr>
+          <p:cNvPr id="27" name="Straight Connector 26">
+            <a:extLst>
+              <a:ext uri="{FF2B5EF4-FFF2-40B4-BE49-F238E27FC236}">
+                <a16:creationId xmlns:a16="http://schemas.microsoft.com/office/drawing/2014/main" id="{4262141F-FBC0-7348-A769-E900A1BF8999}"/>
+              </a:ext>
+            </a:extLst>
+          </p:cNvPr>
+          <p:cNvCxnSpPr>
+            <a:cxnSpLocks/>
+          </p:cNvCxnSpPr>
+          <p:nvPr/>
+        </p:nvCxnSpPr>
+        <p:spPr>
+          <a:xfrm>
+            <a:off x="6454833" y="1928552"/>
+            <a:ext cx="1558636" cy="0"/>
+          </a:xfrm>
+          <a:prstGeom prst="line">
+            <a:avLst/>
+          </a:prstGeom>
+          <a:ln>
+            <a:solidFill>
+              <a:schemeClr val="tx1"/>
+            </a:solidFill>
+            <a:prstDash val="dashDot"/>
+          </a:ln>
+        </p:spPr>
+        <p:style>
+          <a:lnRef idx="1">
+            <a:schemeClr val="accent1"/>
+          </a:lnRef>
+          <a:fillRef idx="0">
+            <a:schemeClr val="accent1"/>
+          </a:fillRef>
+          <a:effectRef idx="0">
+            <a:schemeClr val="accent1"/>
+          </a:effectRef>
+          <a:fontRef idx="minor">
+            <a:schemeClr val="tx1"/>
+          </a:fontRef>
+        </p:style>
+      </p:cxnSp>
+      <p:sp>
+        <p:nvSpPr>
+          <p:cNvPr id="29" name="Freeform: Shape 28">
+            <a:extLst>
+              <a:ext uri="{FF2B5EF4-FFF2-40B4-BE49-F238E27FC236}">
+                <a16:creationId xmlns:a16="http://schemas.microsoft.com/office/drawing/2014/main" id="{699CC44A-1830-88F2-8B16-F3AEC7B7A0EE}"/>
+              </a:ext>
+            </a:extLst>
+          </p:cNvPr>
+          <p:cNvSpPr/>
+          <p:nvPr/>
+        </p:nvSpPr>
+        <p:spPr>
+          <a:xfrm>
+            <a:off x="8009314" y="1483822"/>
+            <a:ext cx="1201189" cy="1392879"/>
+          </a:xfrm>
+          <a:custGeom>
+            <a:avLst/>
+            <a:gdLst>
+              <a:gd name="connsiteX0" fmla="*/ 0 w 1201189"/>
+              <a:gd name="connsiteY0" fmla="*/ 444731 h 1395451"/>
+              <a:gd name="connsiteX1" fmla="*/ 473825 w 1201189"/>
+              <a:gd name="connsiteY1" fmla="*/ 1388225 h 1395451"/>
+              <a:gd name="connsiteX2" fmla="*/ 1201189 w 1201189"/>
+              <a:gd name="connsiteY2" fmla="*/ 0 h 1395451"/>
+              <a:gd name="connsiteX0" fmla="*/ 0 w 1201189"/>
+              <a:gd name="connsiteY0" fmla="*/ 444731 h 1392879"/>
+              <a:gd name="connsiteX1" fmla="*/ 473825 w 1201189"/>
+              <a:gd name="connsiteY1" fmla="*/ 1388225 h 1392879"/>
+              <a:gd name="connsiteX2" fmla="*/ 1201189 w 1201189"/>
+              <a:gd name="connsiteY2" fmla="*/ 0 h 1392879"/>
+              <a:gd name="connsiteX0" fmla="*/ 0 w 1201189"/>
+              <a:gd name="connsiteY0" fmla="*/ 444731 h 1392879"/>
+              <a:gd name="connsiteX1" fmla="*/ 473825 w 1201189"/>
+              <a:gd name="connsiteY1" fmla="*/ 1388225 h 1392879"/>
+              <a:gd name="connsiteX2" fmla="*/ 1201189 w 1201189"/>
+              <a:gd name="connsiteY2" fmla="*/ 0 h 1392879"/>
+              <a:gd name="connsiteX0" fmla="*/ 0 w 1201189"/>
+              <a:gd name="connsiteY0" fmla="*/ 444731 h 1392879"/>
+              <a:gd name="connsiteX1" fmla="*/ 473825 w 1201189"/>
+              <a:gd name="connsiteY1" fmla="*/ 1388225 h 1392879"/>
+              <a:gd name="connsiteX2" fmla="*/ 1201189 w 1201189"/>
+              <a:gd name="connsiteY2" fmla="*/ 0 h 1392879"/>
+            </a:gdLst>
+            <a:ahLst/>
+            <a:cxnLst>
+              <a:cxn ang="0">
+                <a:pos x="connsiteX0" y="connsiteY0"/>
+              </a:cxn>
+              <a:cxn ang="0">
+                <a:pos x="connsiteX1" y="connsiteY1"/>
+              </a:cxn>
+              <a:cxn ang="0">
+                <a:pos x="connsiteX2" y="connsiteY2"/>
+              </a:cxn>
+            </a:cxnLst>
+            <a:rect l="l" t="t" r="r" b="b"/>
+            <a:pathLst>
+              <a:path w="1201189" h="1392879">
+                <a:moveTo>
+                  <a:pt x="0" y="444731"/>
+                </a:moveTo>
+                <a:cubicBezTo>
+                  <a:pt x="273973" y="629342"/>
+                  <a:pt x="273627" y="1462347"/>
+                  <a:pt x="473825" y="1388225"/>
+                </a:cubicBezTo>
+                <a:cubicBezTo>
+                  <a:pt x="674023" y="1314103"/>
+                  <a:pt x="904355" y="4501"/>
+                  <a:pt x="1201189" y="0"/>
+                </a:cubicBezTo>
+              </a:path>
+            </a:pathLst>
+          </a:custGeom>
+          <a:noFill/>
+          <a:ln w="19050"/>
+        </p:spPr>
+        <p:style>
+          <a:lnRef idx="2">
+            <a:schemeClr val="accent1">
+              <a:shade val="15000"/>
+            </a:schemeClr>
+          </a:lnRef>
+          <a:fillRef idx="1">
+            <a:schemeClr val="accent1"/>
+          </a:fillRef>
+          <a:effectRef idx="0">
+            <a:schemeClr val="accent1"/>
+          </a:effectRef>
+          <a:fontRef idx="minor">
+            <a:schemeClr val="lt1"/>
+          </a:fontRef>
+        </p:style>
+        <p:txBody>
+          <a:bodyPr rtlCol="0" anchor="ctr"/>
+          <a:lstStyle/>
+          <a:p>
+            <a:pPr algn="ctr"/>
+            <a:endParaRPr lang="en-IN"/>
+          </a:p>
+        </p:txBody>
+      </p:sp>
+      <p:cxnSp>
+        <p:nvCxnSpPr>
+          <p:cNvPr id="31" name="Straight Connector 30">
+            <a:extLst>
+              <a:ext uri="{FF2B5EF4-FFF2-40B4-BE49-F238E27FC236}">
+                <a16:creationId xmlns:a16="http://schemas.microsoft.com/office/drawing/2014/main" id="{8A27EA05-464D-BB5C-4C24-003E1FF6866F}"/>
+              </a:ext>
+            </a:extLst>
+          </p:cNvPr>
+          <p:cNvCxnSpPr/>
+          <p:nvPr/>
+        </p:nvCxnSpPr>
+        <p:spPr>
+          <a:xfrm flipH="1">
+            <a:off x="6454833" y="1417319"/>
+            <a:ext cx="1558636" cy="0"/>
+          </a:xfrm>
+          <a:prstGeom prst="line">
+            <a:avLst/>
+          </a:prstGeom>
+          <a:ln w="19050">
+            <a:solidFill>
+              <a:schemeClr val="tx1"/>
+            </a:solidFill>
+          </a:ln>
+        </p:spPr>
+        <p:style>
+          <a:lnRef idx="1">
+            <a:schemeClr val="accent1"/>
+          </a:lnRef>
+          <a:fillRef idx="0">
+            <a:schemeClr val="accent1"/>
+          </a:fillRef>
+          <a:effectRef idx="0">
+            <a:schemeClr val="accent1"/>
+          </a:effectRef>
+          <a:fontRef idx="minor">
+            <a:schemeClr val="tx1"/>
+          </a:fontRef>
+        </p:style>
+      </p:cxnSp>
+      <p:cxnSp>
+        <p:nvCxnSpPr>
+          <p:cNvPr id="32" name="Straight Connector 31">
+            <a:extLst>
+              <a:ext uri="{FF2B5EF4-FFF2-40B4-BE49-F238E27FC236}">
+                <a16:creationId xmlns:a16="http://schemas.microsoft.com/office/drawing/2014/main" id="{01C8FCE7-0D82-AE2A-E153-DD5B93A4BFE7}"/>
+              </a:ext>
+            </a:extLst>
+          </p:cNvPr>
+          <p:cNvCxnSpPr>
+            <a:cxnSpLocks/>
+          </p:cNvCxnSpPr>
+          <p:nvPr/>
+        </p:nvCxnSpPr>
+        <p:spPr>
+          <a:xfrm>
+            <a:off x="7996845" y="1417319"/>
+            <a:ext cx="0" cy="1457868"/>
+          </a:xfrm>
+          <a:prstGeom prst="line">
+            <a:avLst/>
+          </a:prstGeom>
+          <a:ln>
+            <a:solidFill>
+              <a:schemeClr val="tx1"/>
+            </a:solidFill>
+            <a:prstDash val="dashDot"/>
+          </a:ln>
+        </p:spPr>
+        <p:style>
+          <a:lnRef idx="1">
+            <a:schemeClr val="accent1"/>
+          </a:lnRef>
+          <a:fillRef idx="0">
+            <a:schemeClr val="accent1"/>
+          </a:fillRef>
+          <a:effectRef idx="0">
+            <a:schemeClr val="accent1"/>
+          </a:effectRef>
+          <a:fontRef idx="minor">
+            <a:schemeClr val="tx1"/>
+          </a:fontRef>
+        </p:style>
+      </p:cxnSp>
+      <p:graphicFrame>
+        <p:nvGraphicFramePr>
+          <p:cNvPr id="34" name="Object 33">
+            <a:extLst>
+              <a:ext uri="{FF2B5EF4-FFF2-40B4-BE49-F238E27FC236}">
+                <a16:creationId xmlns:a16="http://schemas.microsoft.com/office/drawing/2014/main" id="{9DAC6A65-D497-E27F-C105-9036DF01BE8D}"/>
+              </a:ext>
+            </a:extLst>
+          </p:cNvPr>
+          <p:cNvGraphicFramePr>
+            <a:graphicFrameLocks noChangeAspect="1"/>
+          </p:cNvGraphicFramePr>
+          <p:nvPr>
+            <p:extLst>
+              <p:ext uri="{D42A27DB-BD31-4B8C-83A1-F6EECF244321}">
+                <p14:modId xmlns:p14="http://schemas.microsoft.com/office/powerpoint/2010/main" val="3563794159"/>
+              </p:ext>
+            </p:extLst>
+          </p:nvPr>
+        </p:nvGraphicFramePr>
+        <p:xfrm>
+          <a:off x="6212794" y="1259819"/>
+          <a:ext cx="227500" cy="315000"/>
+        </p:xfrm>
+        <a:graphic>
+          <a:graphicData uri="http://schemas.openxmlformats.org/presentationml/2006/ole">
+            <mc:AlternateContent xmlns:mc="http://schemas.openxmlformats.org/markup-compatibility/2006">
+              <mc:Choice xmlns:v="urn:schemas-microsoft-com:vml" Requires="v">
+                <p:oleObj name="Equation" r:id="rId4" imgW="164880" imgH="228600" progId="Equation.DSMT4">
+                  <p:embed/>
+                </p:oleObj>
+              </mc:Choice>
+              <mc:Fallback>
+                <p:oleObj name="Equation" r:id="rId4" imgW="164880" imgH="228600" progId="Equation.DSMT4">
+                  <p:embed/>
+                  <p:pic>
+                    <p:nvPicPr>
+                      <p:cNvPr id="24" name="Object 23">
+                        <a:extLst>
+                          <a:ext uri="{FF2B5EF4-FFF2-40B4-BE49-F238E27FC236}">
+                            <a16:creationId xmlns:a16="http://schemas.microsoft.com/office/drawing/2014/main" id="{A492577A-671A-BF79-56D4-E864485F0EE2}"/>
+                          </a:ext>
+                        </a:extLst>
+                      </p:cNvPr>
+                      <p:cNvPicPr/>
+                      <p:nvPr/>
+                    </p:nvPicPr>
+                    <p:blipFill>
+                      <a:blip r:embed="rId5"/>
+                      <a:stretch>
+                        <a:fillRect/>
+                      </a:stretch>
+                    </p:blipFill>
+                    <p:spPr>
+                      <a:xfrm>
+                        <a:off x="6212794" y="1259819"/>
+                        <a:ext cx="227500" cy="315000"/>
+                      </a:xfrm>
+                      <a:prstGeom prst="rect">
+                        <a:avLst/>
+                      </a:prstGeom>
+                    </p:spPr>
+                  </p:pic>
+                </p:oleObj>
+              </mc:Fallback>
+            </mc:AlternateContent>
+          </a:graphicData>
+        </a:graphic>
+      </p:graphicFrame>
+      <p:graphicFrame>
+        <p:nvGraphicFramePr>
+          <p:cNvPr id="35" name="Object 34">
+            <a:extLst>
+              <a:ext uri="{FF2B5EF4-FFF2-40B4-BE49-F238E27FC236}">
+                <a16:creationId xmlns:a16="http://schemas.microsoft.com/office/drawing/2014/main" id="{F3EC0D2E-E4BD-FEF3-F2A6-A3F88201DC7C}"/>
+              </a:ext>
+            </a:extLst>
+          </p:cNvPr>
+          <p:cNvGraphicFramePr>
+            <a:graphicFrameLocks noChangeAspect="1"/>
+          </p:cNvGraphicFramePr>
+          <p:nvPr>
+            <p:extLst>
+              <p:ext uri="{D42A27DB-BD31-4B8C-83A1-F6EECF244321}">
+                <p14:modId xmlns:p14="http://schemas.microsoft.com/office/powerpoint/2010/main" val="1898316697"/>
+              </p:ext>
+            </p:extLst>
+          </p:nvPr>
+        </p:nvGraphicFramePr>
+        <p:xfrm>
+          <a:off x="7839075" y="2876550"/>
+          <a:ext cx="209550" cy="314325"/>
+        </p:xfrm>
+        <a:graphic>
+          <a:graphicData uri="http://schemas.openxmlformats.org/presentationml/2006/ole">
+            <mc:AlternateContent xmlns:mc="http://schemas.openxmlformats.org/markup-compatibility/2006">
+              <mc:Choice xmlns:v="urn:schemas-microsoft-com:vml" Requires="v">
+                <p:oleObj name="Equation" r:id="rId6" imgW="152280" imgH="228600" progId="Equation.DSMT4">
+                  <p:embed/>
+                </p:oleObj>
+              </mc:Choice>
+              <mc:Fallback>
+                <p:oleObj name="Equation" r:id="rId6" imgW="152280" imgH="228600" progId="Equation.DSMT4">
+                  <p:embed/>
+                  <p:pic>
+                    <p:nvPicPr>
+                      <p:cNvPr id="24" name="Object 23">
+                        <a:extLst>
+                          <a:ext uri="{FF2B5EF4-FFF2-40B4-BE49-F238E27FC236}">
+                            <a16:creationId xmlns:a16="http://schemas.microsoft.com/office/drawing/2014/main" id="{A492577A-671A-BF79-56D4-E864485F0EE2}"/>
+                          </a:ext>
+                        </a:extLst>
+                      </p:cNvPr>
+                      <p:cNvPicPr/>
+                      <p:nvPr/>
+                    </p:nvPicPr>
+                    <p:blipFill>
+                      <a:blip r:embed="rId7"/>
+                      <a:stretch>
+                        <a:fillRect/>
+                      </a:stretch>
+                    </p:blipFill>
+                    <p:spPr>
+                      <a:xfrm>
+                        <a:off x="7839075" y="2876550"/>
+                        <a:ext cx="209550" cy="314325"/>
+                      </a:xfrm>
+                      <a:prstGeom prst="rect">
+                        <a:avLst/>
+                      </a:prstGeom>
+                    </p:spPr>
+                  </p:pic>
+                </p:oleObj>
+              </mc:Fallback>
+            </mc:AlternateContent>
+          </a:graphicData>
+        </a:graphic>
+      </p:graphicFrame>
+      <p:graphicFrame>
+        <p:nvGraphicFramePr>
+          <p:cNvPr id="36" name="Object 35">
+            <a:extLst>
+              <a:ext uri="{FF2B5EF4-FFF2-40B4-BE49-F238E27FC236}">
+                <a16:creationId xmlns:a16="http://schemas.microsoft.com/office/drawing/2014/main" id="{B57ED2CB-2FBD-24C6-88FC-DD6E0D954A37}"/>
+              </a:ext>
+            </a:extLst>
+          </p:cNvPr>
+          <p:cNvGraphicFramePr>
+            <a:graphicFrameLocks noChangeAspect="1"/>
+          </p:cNvGraphicFramePr>
+          <p:nvPr>
+            <p:extLst>
+              <p:ext uri="{D42A27DB-BD31-4B8C-83A1-F6EECF244321}">
+                <p14:modId xmlns:p14="http://schemas.microsoft.com/office/powerpoint/2010/main" val="2201164010"/>
+              </p:ext>
+            </p:extLst>
+          </p:nvPr>
+        </p:nvGraphicFramePr>
+        <p:xfrm>
+          <a:off x="8397875" y="2876550"/>
+          <a:ext cx="227013" cy="314325"/>
+        </p:xfrm>
+        <a:graphic>
+          <a:graphicData uri="http://schemas.openxmlformats.org/presentationml/2006/ole">
+            <mc:AlternateContent xmlns:mc="http://schemas.openxmlformats.org/markup-compatibility/2006">
+              <mc:Choice xmlns:v="urn:schemas-microsoft-com:vml" Requires="v">
+                <p:oleObj name="Equation" r:id="rId8" imgW="164880" imgH="228600" progId="Equation.DSMT4">
+                  <p:embed/>
+                </p:oleObj>
+              </mc:Choice>
+              <mc:Fallback>
+                <p:oleObj name="Equation" r:id="rId8" imgW="164880" imgH="228600" progId="Equation.DSMT4">
+                  <p:embed/>
+                  <p:pic>
+                    <p:nvPicPr>
+                      <p:cNvPr id="35" name="Object 34">
+                        <a:extLst>
+                          <a:ext uri="{FF2B5EF4-FFF2-40B4-BE49-F238E27FC236}">
+                            <a16:creationId xmlns:a16="http://schemas.microsoft.com/office/drawing/2014/main" id="{F3EC0D2E-E4BD-FEF3-F2A6-A3F88201DC7C}"/>
+                          </a:ext>
+                        </a:extLst>
+                      </p:cNvPr>
+                      <p:cNvPicPr/>
+                      <p:nvPr/>
+                    </p:nvPicPr>
+                    <p:blipFill>
+                      <a:blip r:embed="rId9"/>
+                      <a:stretch>
+                        <a:fillRect/>
+                      </a:stretch>
+                    </p:blipFill>
+                    <p:spPr>
+                      <a:xfrm>
+                        <a:off x="8397875" y="2876550"/>
+                        <a:ext cx="227013" cy="314325"/>
+                      </a:xfrm>
+                      <a:prstGeom prst="rect">
+                        <a:avLst/>
+                      </a:prstGeom>
+                    </p:spPr>
+                  </p:pic>
+                </p:oleObj>
+              </mc:Fallback>
+            </mc:AlternateContent>
+          </a:graphicData>
+        </a:graphic>
+      </p:graphicFrame>
     </p:spTree>
     <p:extLst>
       <p:ext uri="{BB962C8B-B14F-4D97-AF65-F5344CB8AC3E}">
